--- a/Презентация_Алёнушка_6401.pptx
+++ b/Презентация_Алёнушка_6401.pptx
@@ -5,7 +5,7 @@
     <p:sldMasterId id="2147483672" r:id="rId1"/>
   </p:sldMasterIdLst>
   <p:notesMasterIdLst>
-    <p:notesMasterId r:id="rId21"/>
+    <p:notesMasterId r:id="rId23"/>
   </p:notesMasterIdLst>
   <p:sldIdLst>
     <p:sldId id="289" r:id="rId2"/>
@@ -26,7 +26,9 @@
     <p:sldId id="324" r:id="rId17"/>
     <p:sldId id="305" r:id="rId18"/>
     <p:sldId id="318" r:id="rId19"/>
-    <p:sldId id="291" r:id="rId20"/>
+    <p:sldId id="329" r:id="rId20"/>
+    <p:sldId id="330" r:id="rId21"/>
+    <p:sldId id="291" r:id="rId22"/>
   </p:sldIdLst>
   <p:sldSz cx="9144000" cy="6858000" type="screen4x3"/>
   <p:notesSz cx="6858000" cy="9144000"/>
@@ -152,6 +154,8 @@
             <p14:sldId id="324"/>
             <p14:sldId id="305"/>
             <p14:sldId id="318"/>
+            <p14:sldId id="329"/>
+            <p14:sldId id="330"/>
           </p14:sldIdLst>
         </p14:section>
         <p14:section name="Последний слайд" id="{56484599-CAB5-4B35-8FB9-ECF376C84423}">
@@ -266,7 +270,7 @@
           <a:p>
             <a:fld id="{77D36C68-DDAB-4D09-8E72-8E937BD7768C}" type="datetimeFigureOut">
               <a:rPr lang="ru-RU" smtClean="0"/>
-              <a:t>06.05.2025</a:t>
+              <a:t>07.05.2025</a:t>
             </a:fld>
             <a:endParaRPr lang="ru-RU"/>
           </a:p>
@@ -1363,7 +1367,13 @@
   <p:cSld>
     <p:spTree>
       <p:nvGrpSpPr>
-        <p:cNvPr id="1" name=""/>
+        <p:cNvPr id="1" name="">
+          <a:extLst>
+            <a:ext uri="{FF2B5EF4-FFF2-40B4-BE49-F238E27FC236}">
+              <a16:creationId xmlns:a16="http://schemas.microsoft.com/office/drawing/2014/main" id="{91FEC4A6-5AE7-CF65-5554-908E2E97D713}"/>
+            </a:ext>
+          </a:extLst>
+        </p:cNvPr>
         <p:cNvGrpSpPr/>
         <p:nvPr/>
       </p:nvGrpSpPr>
@@ -1377,7 +1387,13 @@
       </p:grpSpPr>
       <p:sp>
         <p:nvSpPr>
-          <p:cNvPr id="2" name="Образ слайда 1"/>
+          <p:cNvPr id="2" name="Образ слайда 1">
+            <a:extLst>
+              <a:ext uri="{FF2B5EF4-FFF2-40B4-BE49-F238E27FC236}">
+                <a16:creationId xmlns:a16="http://schemas.microsoft.com/office/drawing/2014/main" id="{A9C9D4C4-C501-CD6D-7148-5B7E10EF393C}"/>
+              </a:ext>
+            </a:extLst>
+          </p:cNvPr>
           <p:cNvSpPr>
             <a:spLocks noGrp="1" noRot="1" noChangeAspect="1"/>
           </p:cNvSpPr>
@@ -1394,7 +1410,13 @@
       </p:sp>
       <p:sp>
         <p:nvSpPr>
-          <p:cNvPr id="3" name="Заметки 2"/>
+          <p:cNvPr id="3" name="Заметки 2">
+            <a:extLst>
+              <a:ext uri="{FF2B5EF4-FFF2-40B4-BE49-F238E27FC236}">
+                <a16:creationId xmlns:a16="http://schemas.microsoft.com/office/drawing/2014/main" id="{F916FD8F-DBAB-1D42-82BF-D3689A9D3FA4}"/>
+              </a:ext>
+            </a:extLst>
+          </p:cNvPr>
           <p:cNvSpPr>
             <a:spLocks noGrp="1"/>
           </p:cNvSpPr>
@@ -1413,7 +1435,13 @@
       </p:sp>
       <p:sp>
         <p:nvSpPr>
-          <p:cNvPr id="4" name="Номер слайда 3"/>
+          <p:cNvPr id="4" name="Номер слайда 3">
+            <a:extLst>
+              <a:ext uri="{FF2B5EF4-FFF2-40B4-BE49-F238E27FC236}">
+                <a16:creationId xmlns:a16="http://schemas.microsoft.com/office/drawing/2014/main" id="{0DEB34AE-5C26-250E-4D16-8B671523256E}"/>
+              </a:ext>
+            </a:extLst>
+          </p:cNvPr>
           <p:cNvSpPr>
             <a:spLocks noGrp="1"/>
           </p:cNvSpPr>
@@ -1437,7 +1465,120 @@
     </p:spTree>
     <p:extLst>
       <p:ext uri="{BB962C8B-B14F-4D97-AF65-F5344CB8AC3E}">
-        <p14:creationId xmlns:p14="http://schemas.microsoft.com/office/powerpoint/2010/main" val="937986612"/>
+        <p14:creationId xmlns:p14="http://schemas.microsoft.com/office/powerpoint/2010/main" val="1080181003"/>
+      </p:ext>
+    </p:extLst>
+  </p:cSld>
+  <p:clrMapOvr>
+    <a:masterClrMapping/>
+  </p:clrMapOvr>
+</p:notes>
+</file>
+
+<file path=ppt/notesSlides/notesSlide19.xml><?xml version="1.0" encoding="utf-8"?>
+<p:notes xmlns:a="http://schemas.openxmlformats.org/drawingml/2006/main" xmlns:r="http://schemas.openxmlformats.org/officeDocument/2006/relationships" xmlns:p="http://schemas.openxmlformats.org/presentationml/2006/main">
+  <p:cSld>
+    <p:spTree>
+      <p:nvGrpSpPr>
+        <p:cNvPr id="1" name="">
+          <a:extLst>
+            <a:ext uri="{FF2B5EF4-FFF2-40B4-BE49-F238E27FC236}">
+              <a16:creationId xmlns:a16="http://schemas.microsoft.com/office/drawing/2014/main" id="{91FEC4A6-5AE7-CF65-5554-908E2E97D713}"/>
+            </a:ext>
+          </a:extLst>
+        </p:cNvPr>
+        <p:cNvGrpSpPr/>
+        <p:nvPr/>
+      </p:nvGrpSpPr>
+      <p:grpSpPr>
+        <a:xfrm>
+          <a:off x="0" y="0"/>
+          <a:ext cx="0" cy="0"/>
+          <a:chOff x="0" y="0"/>
+          <a:chExt cx="0" cy="0"/>
+        </a:xfrm>
+      </p:grpSpPr>
+      <p:sp>
+        <p:nvSpPr>
+          <p:cNvPr id="2" name="Образ слайда 1">
+            <a:extLst>
+              <a:ext uri="{FF2B5EF4-FFF2-40B4-BE49-F238E27FC236}">
+                <a16:creationId xmlns:a16="http://schemas.microsoft.com/office/drawing/2014/main" id="{A9C9D4C4-C501-CD6D-7148-5B7E10EF393C}"/>
+              </a:ext>
+            </a:extLst>
+          </p:cNvPr>
+          <p:cNvSpPr>
+            <a:spLocks noGrp="1" noRot="1" noChangeAspect="1"/>
+          </p:cNvSpPr>
+          <p:nvPr>
+            <p:ph type="sldImg"/>
+          </p:nvPr>
+        </p:nvSpPr>
+        <p:spPr>
+          <a:xfrm>
+            <a:off x="1143000" y="685800"/>
+            <a:ext cx="4572000" cy="3429000"/>
+          </a:xfrm>
+        </p:spPr>
+      </p:sp>
+      <p:sp>
+        <p:nvSpPr>
+          <p:cNvPr id="3" name="Заметки 2">
+            <a:extLst>
+              <a:ext uri="{FF2B5EF4-FFF2-40B4-BE49-F238E27FC236}">
+                <a16:creationId xmlns:a16="http://schemas.microsoft.com/office/drawing/2014/main" id="{F916FD8F-DBAB-1D42-82BF-D3689A9D3FA4}"/>
+              </a:ext>
+            </a:extLst>
+          </p:cNvPr>
+          <p:cNvSpPr>
+            <a:spLocks noGrp="1"/>
+          </p:cNvSpPr>
+          <p:nvPr>
+            <p:ph type="body" idx="1"/>
+          </p:nvPr>
+        </p:nvSpPr>
+        <p:spPr/>
+        <p:txBody>
+          <a:bodyPr/>
+          <a:lstStyle/>
+          <a:p>
+            <a:endParaRPr lang="ru-RU"/>
+          </a:p>
+        </p:txBody>
+      </p:sp>
+      <p:sp>
+        <p:nvSpPr>
+          <p:cNvPr id="4" name="Номер слайда 3">
+            <a:extLst>
+              <a:ext uri="{FF2B5EF4-FFF2-40B4-BE49-F238E27FC236}">
+                <a16:creationId xmlns:a16="http://schemas.microsoft.com/office/drawing/2014/main" id="{0DEB34AE-5C26-250E-4D16-8B671523256E}"/>
+              </a:ext>
+            </a:extLst>
+          </p:cNvPr>
+          <p:cNvSpPr>
+            <a:spLocks noGrp="1"/>
+          </p:cNvSpPr>
+          <p:nvPr>
+            <p:ph type="sldNum" sz="quarter" idx="10"/>
+          </p:nvPr>
+        </p:nvSpPr>
+        <p:spPr/>
+        <p:txBody>
+          <a:bodyPr/>
+          <a:lstStyle/>
+          <a:p>
+            <a:fld id="{0048289E-2F4B-4BDB-9E3D-307BE649A8BF}" type="slidenum">
+              <a:rPr lang="ru-RU" smtClean="0"/>
+              <a:t>20</a:t>
+            </a:fld>
+            <a:endParaRPr lang="ru-RU"/>
+          </a:p>
+        </p:txBody>
+      </p:sp>
+    </p:spTree>
+    <p:extLst>
+      <p:ext uri="{BB962C8B-B14F-4D97-AF65-F5344CB8AC3E}">
+        <p14:creationId xmlns:p14="http://schemas.microsoft.com/office/powerpoint/2010/main" val="2346907130"/>
       </p:ext>
     </p:extLst>
   </p:cSld>
@@ -1527,6 +1668,95 @@
     <p:extLst>
       <p:ext uri="{BB962C8B-B14F-4D97-AF65-F5344CB8AC3E}">
         <p14:creationId xmlns:p14="http://schemas.microsoft.com/office/powerpoint/2010/main" val="1941154791"/>
+      </p:ext>
+    </p:extLst>
+  </p:cSld>
+  <p:clrMapOvr>
+    <a:masterClrMapping/>
+  </p:clrMapOvr>
+</p:notes>
+</file>
+
+<file path=ppt/notesSlides/notesSlide20.xml><?xml version="1.0" encoding="utf-8"?>
+<p:notes xmlns:a="http://schemas.openxmlformats.org/drawingml/2006/main" xmlns:r="http://schemas.openxmlformats.org/officeDocument/2006/relationships" xmlns:p="http://schemas.openxmlformats.org/presentationml/2006/main">
+  <p:cSld>
+    <p:spTree>
+      <p:nvGrpSpPr>
+        <p:cNvPr id="1" name=""/>
+        <p:cNvGrpSpPr/>
+        <p:nvPr/>
+      </p:nvGrpSpPr>
+      <p:grpSpPr>
+        <a:xfrm>
+          <a:off x="0" y="0"/>
+          <a:ext cx="0" cy="0"/>
+          <a:chOff x="0" y="0"/>
+          <a:chExt cx="0" cy="0"/>
+        </a:xfrm>
+      </p:grpSpPr>
+      <p:sp>
+        <p:nvSpPr>
+          <p:cNvPr id="2" name="Образ слайда 1"/>
+          <p:cNvSpPr>
+            <a:spLocks noGrp="1" noRot="1" noChangeAspect="1"/>
+          </p:cNvSpPr>
+          <p:nvPr>
+            <p:ph type="sldImg"/>
+          </p:nvPr>
+        </p:nvSpPr>
+        <p:spPr>
+          <a:xfrm>
+            <a:off x="1143000" y="685800"/>
+            <a:ext cx="4572000" cy="3429000"/>
+          </a:xfrm>
+        </p:spPr>
+      </p:sp>
+      <p:sp>
+        <p:nvSpPr>
+          <p:cNvPr id="3" name="Заметки 2"/>
+          <p:cNvSpPr>
+            <a:spLocks noGrp="1"/>
+          </p:cNvSpPr>
+          <p:nvPr>
+            <p:ph type="body" idx="1"/>
+          </p:nvPr>
+        </p:nvSpPr>
+        <p:spPr/>
+        <p:txBody>
+          <a:bodyPr/>
+          <a:lstStyle/>
+          <a:p>
+            <a:endParaRPr lang="ru-RU"/>
+          </a:p>
+        </p:txBody>
+      </p:sp>
+      <p:sp>
+        <p:nvSpPr>
+          <p:cNvPr id="4" name="Номер слайда 3"/>
+          <p:cNvSpPr>
+            <a:spLocks noGrp="1"/>
+          </p:cNvSpPr>
+          <p:nvPr>
+            <p:ph type="sldNum" sz="quarter" idx="10"/>
+          </p:nvPr>
+        </p:nvSpPr>
+        <p:spPr/>
+        <p:txBody>
+          <a:bodyPr/>
+          <a:lstStyle/>
+          <a:p>
+            <a:fld id="{0048289E-2F4B-4BDB-9E3D-307BE649A8BF}" type="slidenum">
+              <a:rPr lang="ru-RU" smtClean="0"/>
+              <a:t>21</a:t>
+            </a:fld>
+            <a:endParaRPr lang="ru-RU"/>
+          </a:p>
+        </p:txBody>
+      </p:sp>
+    </p:spTree>
+    <p:extLst>
+      <p:ext uri="{BB962C8B-B14F-4D97-AF65-F5344CB8AC3E}">
+        <p14:creationId xmlns:p14="http://schemas.microsoft.com/office/powerpoint/2010/main" val="937986612"/>
       </p:ext>
     </p:extLst>
   </p:cSld>
@@ -2290,7 +2520,7 @@
           <a:p>
             <a:fld id="{0CD2006A-6BE7-43E8-8AD6-C09FC266B36F}" type="datetime1">
               <a:rPr lang="ru-RU" smtClean="0"/>
-              <a:t>06.05.2025</a:t>
+              <a:t>07.05.2025</a:t>
             </a:fld>
             <a:endParaRPr lang="ru-RU"/>
           </a:p>
@@ -2460,7 +2690,7 @@
           <a:p>
             <a:fld id="{DCFD85EE-4AB9-42CD-8126-E74FE77A9ED8}" type="datetime1">
               <a:rPr lang="ru-RU" smtClean="0"/>
-              <a:t>06.05.2025</a:t>
+              <a:t>07.05.2025</a:t>
             </a:fld>
             <a:endParaRPr lang="ru-RU"/>
           </a:p>
@@ -2640,7 +2870,7 @@
           <a:p>
             <a:fld id="{560B916C-83BE-4CC1-8A21-D05CD30C43DB}" type="datetime1">
               <a:rPr lang="ru-RU" smtClean="0"/>
-              <a:t>06.05.2025</a:t>
+              <a:t>07.05.2025</a:t>
             </a:fld>
             <a:endParaRPr lang="ru-RU"/>
           </a:p>
@@ -2810,7 +3040,7 @@
           <a:p>
             <a:fld id="{D2E13183-B2A1-4784-80CE-65A33D52CB0B}" type="datetime1">
               <a:rPr lang="ru-RU" smtClean="0"/>
-              <a:t>06.05.2025</a:t>
+              <a:t>07.05.2025</a:t>
             </a:fld>
             <a:endParaRPr lang="ru-RU"/>
           </a:p>
@@ -3056,7 +3286,7 @@
           <a:p>
             <a:fld id="{DEA388E9-D2C3-4436-BFEE-5F0C2E0896FE}" type="datetime1">
               <a:rPr lang="ru-RU" smtClean="0"/>
-              <a:t>06.05.2025</a:t>
+              <a:t>07.05.2025</a:t>
             </a:fld>
             <a:endParaRPr lang="ru-RU"/>
           </a:p>
@@ -3288,7 +3518,7 @@
           <a:p>
             <a:fld id="{13A15BC7-66CE-44BA-84C4-ADF5D358A8E5}" type="datetime1">
               <a:rPr lang="ru-RU" smtClean="0"/>
-              <a:t>06.05.2025</a:t>
+              <a:t>07.05.2025</a:t>
             </a:fld>
             <a:endParaRPr lang="ru-RU"/>
           </a:p>
@@ -3655,7 +3885,7 @@
           <a:p>
             <a:fld id="{8C55F641-8A7B-48BB-9924-29525D09D843}" type="datetime1">
               <a:rPr lang="ru-RU" smtClean="0"/>
-              <a:t>06.05.2025</a:t>
+              <a:t>07.05.2025</a:t>
             </a:fld>
             <a:endParaRPr lang="ru-RU"/>
           </a:p>
@@ -3773,7 +4003,7 @@
           <a:p>
             <a:fld id="{28C4CC1A-CDB1-4CBC-83A8-3EB958439194}" type="datetime1">
               <a:rPr lang="ru-RU" smtClean="0"/>
-              <a:t>06.05.2025</a:t>
+              <a:t>07.05.2025</a:t>
             </a:fld>
             <a:endParaRPr lang="ru-RU"/>
           </a:p>
@@ -3901,7 +4131,7 @@
           <a:p>
             <a:fld id="{DCA5C5F1-78C0-4305-B0EC-8CEF047F6C93}" type="datetime1">
               <a:rPr lang="ru-RU" smtClean="0"/>
-              <a:t>06.05.2025</a:t>
+              <a:t>07.05.2025</a:t>
             </a:fld>
             <a:endParaRPr lang="ru-RU"/>
           </a:p>
@@ -4178,7 +4408,7 @@
           <a:p>
             <a:fld id="{8FF670FB-17C0-4434-90C8-A4668EF13565}" type="datetime1">
               <a:rPr lang="ru-RU" smtClean="0"/>
-              <a:t>06.05.2025</a:t>
+              <a:t>07.05.2025</a:t>
             </a:fld>
             <a:endParaRPr lang="ru-RU"/>
           </a:p>
@@ -4435,7 +4665,7 @@
           <a:p>
             <a:fld id="{5FA5D1FD-3FC4-47EA-B2EB-FF46800F6009}" type="datetime1">
               <a:rPr lang="ru-RU" smtClean="0"/>
-              <a:t>06.05.2025</a:t>
+              <a:t>07.05.2025</a:t>
             </a:fld>
             <a:endParaRPr lang="ru-RU"/>
           </a:p>
@@ -4651,7 +4881,7 @@
           <a:p>
             <a:fld id="{6C109404-ED28-47FE-9DC5-C6BCEA110D1D}" type="datetime1">
               <a:rPr lang="ru-RU" smtClean="0"/>
-              <a:t>06.05.2025</a:t>
+              <a:t>07.05.2025</a:t>
             </a:fld>
             <a:endParaRPr lang="ru-RU"/>
           </a:p>
@@ -6273,7 +6503,58 @@
                 <a:latin typeface="Elektra Text Pro"/>
                 <a:cs typeface="Arial" pitchFamily="34" charset="0"/>
               </a:rPr>
-              <a:t>Веб-приложение прогнозирования стоимости легкового автомобиля</a:t>
+              <a:t>Веб-приложение для обучения по системе </a:t>
+            </a:r>
+            <a:r>
+              <a:rPr lang="ru-RU" sz="1400" dirty="0" err="1">
+                <a:solidFill>
+                  <a:schemeClr val="tx1">
+                    <a:lumMod val="75000"/>
+                    <a:lumOff val="25000"/>
+                  </a:schemeClr>
+                </a:solidFill>
+                <a:latin typeface="Elektra Text Pro"/>
+                <a:cs typeface="Arial" pitchFamily="34" charset="0"/>
+              </a:rPr>
+              <a:t>Лейтнера</a:t>
+            </a:r>
+            <a:r>
+              <a:rPr lang="ru-RU" sz="1400" dirty="0">
+                <a:solidFill>
+                  <a:schemeClr val="tx1">
+                    <a:lumMod val="75000"/>
+                    <a:lumOff val="25000"/>
+                  </a:schemeClr>
+                </a:solidFill>
+                <a:latin typeface="Elektra Text Pro"/>
+                <a:cs typeface="Arial" pitchFamily="34" charset="0"/>
+              </a:rPr>
+              <a:t> с реализацией алгоритма </a:t>
+            </a:r>
+            <a:br>
+              <a:rPr lang="ru-RU" sz="1400" dirty="0">
+                <a:solidFill>
+                  <a:schemeClr val="tx1">
+                    <a:lumMod val="75000"/>
+                    <a:lumOff val="25000"/>
+                  </a:schemeClr>
+                </a:solidFill>
+                <a:latin typeface="Elektra Text Pro"/>
+                <a:cs typeface="Arial" pitchFamily="34" charset="0"/>
+              </a:rPr>
+            </a:br>
+            <a:r>
+              <a:rPr lang="ru-RU" sz="1400" dirty="0">
+                <a:solidFill>
+                  <a:schemeClr val="tx1">
+                    <a:lumMod val="75000"/>
+                    <a:lumOff val="25000"/>
+                  </a:schemeClr>
+                </a:solidFill>
+                <a:latin typeface="Elektra Text Pro"/>
+                <a:cs typeface="Arial" pitchFamily="34" charset="0"/>
+              </a:rPr>
+              <a:t>интервального повторения</a:t>
             </a:r>
           </a:p>
         </p:txBody>
@@ -6560,7 +6841,58 @@
                 <a:latin typeface="Elektra Text Pro"/>
                 <a:cs typeface="Arial" pitchFamily="34" charset="0"/>
               </a:rPr>
-              <a:t>Веб-приложение прогнозирования стоимости легкового автомобиля</a:t>
+              <a:t>Веб-приложение для обучения по системе </a:t>
+            </a:r>
+            <a:r>
+              <a:rPr lang="ru-RU" sz="1400" dirty="0" err="1">
+                <a:solidFill>
+                  <a:schemeClr val="tx1">
+                    <a:lumMod val="75000"/>
+                    <a:lumOff val="25000"/>
+                  </a:schemeClr>
+                </a:solidFill>
+                <a:latin typeface="Elektra Text Pro"/>
+                <a:cs typeface="Arial" pitchFamily="34" charset="0"/>
+              </a:rPr>
+              <a:t>Лейтнера</a:t>
+            </a:r>
+            <a:r>
+              <a:rPr lang="ru-RU" sz="1400" dirty="0">
+                <a:solidFill>
+                  <a:schemeClr val="tx1">
+                    <a:lumMod val="75000"/>
+                    <a:lumOff val="25000"/>
+                  </a:schemeClr>
+                </a:solidFill>
+                <a:latin typeface="Elektra Text Pro"/>
+                <a:cs typeface="Arial" pitchFamily="34" charset="0"/>
+              </a:rPr>
+              <a:t> с реализацией алгоритма </a:t>
+            </a:r>
+            <a:br>
+              <a:rPr lang="ru-RU" sz="1400" dirty="0">
+                <a:solidFill>
+                  <a:schemeClr val="tx1">
+                    <a:lumMod val="75000"/>
+                    <a:lumOff val="25000"/>
+                  </a:schemeClr>
+                </a:solidFill>
+                <a:latin typeface="Elektra Text Pro"/>
+                <a:cs typeface="Arial" pitchFamily="34" charset="0"/>
+              </a:rPr>
+            </a:br>
+            <a:r>
+              <a:rPr lang="ru-RU" sz="1400" dirty="0">
+                <a:solidFill>
+                  <a:schemeClr val="tx1">
+                    <a:lumMod val="75000"/>
+                    <a:lumOff val="25000"/>
+                  </a:schemeClr>
+                </a:solidFill>
+                <a:latin typeface="Elektra Text Pro"/>
+                <a:cs typeface="Arial" pitchFamily="34" charset="0"/>
+              </a:rPr>
+              <a:t>интервального повторения</a:t>
             </a:r>
           </a:p>
         </p:txBody>
@@ -6764,7 +7096,58 @@
                 <a:latin typeface="Elektra Text Pro"/>
                 <a:cs typeface="Arial" pitchFamily="34" charset="0"/>
               </a:rPr>
-              <a:t>Веб-приложение прогнозирования стоимости легкового автомобиля</a:t>
+              <a:t>Веб-приложение для обучения по системе </a:t>
+            </a:r>
+            <a:r>
+              <a:rPr lang="ru-RU" sz="1400" dirty="0" err="1">
+                <a:solidFill>
+                  <a:schemeClr val="tx1">
+                    <a:lumMod val="75000"/>
+                    <a:lumOff val="25000"/>
+                  </a:schemeClr>
+                </a:solidFill>
+                <a:latin typeface="Elektra Text Pro"/>
+                <a:cs typeface="Arial" pitchFamily="34" charset="0"/>
+              </a:rPr>
+              <a:t>Лейтнера</a:t>
+            </a:r>
+            <a:r>
+              <a:rPr lang="ru-RU" sz="1400" dirty="0">
+                <a:solidFill>
+                  <a:schemeClr val="tx1">
+                    <a:lumMod val="75000"/>
+                    <a:lumOff val="25000"/>
+                  </a:schemeClr>
+                </a:solidFill>
+                <a:latin typeface="Elektra Text Pro"/>
+                <a:cs typeface="Arial" pitchFamily="34" charset="0"/>
+              </a:rPr>
+              <a:t> с реализацией алгоритма </a:t>
+            </a:r>
+            <a:br>
+              <a:rPr lang="ru-RU" sz="1400" dirty="0">
+                <a:solidFill>
+                  <a:schemeClr val="tx1">
+                    <a:lumMod val="75000"/>
+                    <a:lumOff val="25000"/>
+                  </a:schemeClr>
+                </a:solidFill>
+                <a:latin typeface="Elektra Text Pro"/>
+                <a:cs typeface="Arial" pitchFamily="34" charset="0"/>
+              </a:rPr>
+            </a:br>
+            <a:r>
+              <a:rPr lang="ru-RU" sz="1400" dirty="0">
+                <a:solidFill>
+                  <a:schemeClr val="tx1">
+                    <a:lumMod val="75000"/>
+                    <a:lumOff val="25000"/>
+                  </a:schemeClr>
+                </a:solidFill>
+                <a:latin typeface="Elektra Text Pro"/>
+                <a:cs typeface="Arial" pitchFamily="34" charset="0"/>
+              </a:rPr>
+              <a:t>интервального повторения</a:t>
             </a:r>
           </a:p>
         </p:txBody>
@@ -7497,7 +7880,58 @@
                 <a:latin typeface="Elektra Text Pro"/>
                 <a:cs typeface="Arial" pitchFamily="34" charset="0"/>
               </a:rPr>
-              <a:t>Веб-приложение прогнозирования стоимости легкового автомобиля</a:t>
+              <a:t>Веб-приложение для обучения по системе </a:t>
+            </a:r>
+            <a:r>
+              <a:rPr lang="ru-RU" sz="1400" dirty="0" err="1">
+                <a:solidFill>
+                  <a:schemeClr val="tx1">
+                    <a:lumMod val="75000"/>
+                    <a:lumOff val="25000"/>
+                  </a:schemeClr>
+                </a:solidFill>
+                <a:latin typeface="Elektra Text Pro"/>
+                <a:cs typeface="Arial" pitchFamily="34" charset="0"/>
+              </a:rPr>
+              <a:t>Лейтнера</a:t>
+            </a:r>
+            <a:r>
+              <a:rPr lang="ru-RU" sz="1400" dirty="0">
+                <a:solidFill>
+                  <a:schemeClr val="tx1">
+                    <a:lumMod val="75000"/>
+                    <a:lumOff val="25000"/>
+                  </a:schemeClr>
+                </a:solidFill>
+                <a:latin typeface="Elektra Text Pro"/>
+                <a:cs typeface="Arial" pitchFamily="34" charset="0"/>
+              </a:rPr>
+              <a:t> с реализацией алгоритма </a:t>
+            </a:r>
+            <a:br>
+              <a:rPr lang="ru-RU" sz="1400" dirty="0">
+                <a:solidFill>
+                  <a:schemeClr val="tx1">
+                    <a:lumMod val="75000"/>
+                    <a:lumOff val="25000"/>
+                  </a:schemeClr>
+                </a:solidFill>
+                <a:latin typeface="Elektra Text Pro"/>
+                <a:cs typeface="Arial" pitchFamily="34" charset="0"/>
+              </a:rPr>
+            </a:br>
+            <a:r>
+              <a:rPr lang="ru-RU" sz="1400" dirty="0">
+                <a:solidFill>
+                  <a:schemeClr val="tx1">
+                    <a:lumMod val="75000"/>
+                    <a:lumOff val="25000"/>
+                  </a:schemeClr>
+                </a:solidFill>
+                <a:latin typeface="Elektra Text Pro"/>
+                <a:cs typeface="Arial" pitchFamily="34" charset="0"/>
+              </a:rPr>
+              <a:t>интервального повторения</a:t>
             </a:r>
           </a:p>
         </p:txBody>
@@ -7803,7 +8237,58 @@
                 <a:latin typeface="Elektra Text Pro"/>
                 <a:cs typeface="Arial" pitchFamily="34" charset="0"/>
               </a:rPr>
-              <a:t>Веб-приложение прогнозирования стоимости легкового автомобиля</a:t>
+              <a:t>Веб-приложение для обучения по системе </a:t>
+            </a:r>
+            <a:r>
+              <a:rPr lang="ru-RU" sz="1400" dirty="0" err="1">
+                <a:solidFill>
+                  <a:schemeClr val="tx1">
+                    <a:lumMod val="75000"/>
+                    <a:lumOff val="25000"/>
+                  </a:schemeClr>
+                </a:solidFill>
+                <a:latin typeface="Elektra Text Pro"/>
+                <a:cs typeface="Arial" pitchFamily="34" charset="0"/>
+              </a:rPr>
+              <a:t>Лейтнера</a:t>
+            </a:r>
+            <a:r>
+              <a:rPr lang="ru-RU" sz="1400" dirty="0">
+                <a:solidFill>
+                  <a:schemeClr val="tx1">
+                    <a:lumMod val="75000"/>
+                    <a:lumOff val="25000"/>
+                  </a:schemeClr>
+                </a:solidFill>
+                <a:latin typeface="Elektra Text Pro"/>
+                <a:cs typeface="Arial" pitchFamily="34" charset="0"/>
+              </a:rPr>
+              <a:t> с реализацией алгоритма </a:t>
+            </a:r>
+            <a:br>
+              <a:rPr lang="ru-RU" sz="1400" dirty="0">
+                <a:solidFill>
+                  <a:schemeClr val="tx1">
+                    <a:lumMod val="75000"/>
+                    <a:lumOff val="25000"/>
+                  </a:schemeClr>
+                </a:solidFill>
+                <a:latin typeface="Elektra Text Pro"/>
+                <a:cs typeface="Arial" pitchFamily="34" charset="0"/>
+              </a:rPr>
+            </a:br>
+            <a:r>
+              <a:rPr lang="ru-RU" sz="1400" dirty="0">
+                <a:solidFill>
+                  <a:schemeClr val="tx1">
+                    <a:lumMod val="75000"/>
+                    <a:lumOff val="25000"/>
+                  </a:schemeClr>
+                </a:solidFill>
+                <a:latin typeface="Elektra Text Pro"/>
+                <a:cs typeface="Arial" pitchFamily="34" charset="0"/>
+              </a:rPr>
+              <a:t>интервального повторения</a:t>
             </a:r>
           </a:p>
         </p:txBody>
@@ -8049,7 +8534,58 @@
                 <a:latin typeface="Elektra Text Pro"/>
                 <a:cs typeface="Arial" pitchFamily="34" charset="0"/>
               </a:rPr>
-              <a:t>Веб-приложение прогнозирования стоимости легкового автомобиля</a:t>
+              <a:t>Веб-приложение для обучения по системе </a:t>
+            </a:r>
+            <a:r>
+              <a:rPr lang="ru-RU" sz="1400" dirty="0" err="1">
+                <a:solidFill>
+                  <a:schemeClr val="tx1">
+                    <a:lumMod val="75000"/>
+                    <a:lumOff val="25000"/>
+                  </a:schemeClr>
+                </a:solidFill>
+                <a:latin typeface="Elektra Text Pro"/>
+                <a:cs typeface="Arial" pitchFamily="34" charset="0"/>
+              </a:rPr>
+              <a:t>Лейтнера</a:t>
+            </a:r>
+            <a:r>
+              <a:rPr lang="ru-RU" sz="1400" dirty="0">
+                <a:solidFill>
+                  <a:schemeClr val="tx1">
+                    <a:lumMod val="75000"/>
+                    <a:lumOff val="25000"/>
+                  </a:schemeClr>
+                </a:solidFill>
+                <a:latin typeface="Elektra Text Pro"/>
+                <a:cs typeface="Arial" pitchFamily="34" charset="0"/>
+              </a:rPr>
+              <a:t> с реализацией алгоритма </a:t>
+            </a:r>
+            <a:br>
+              <a:rPr lang="ru-RU" sz="1400" dirty="0">
+                <a:solidFill>
+                  <a:schemeClr val="tx1">
+                    <a:lumMod val="75000"/>
+                    <a:lumOff val="25000"/>
+                  </a:schemeClr>
+                </a:solidFill>
+                <a:latin typeface="Elektra Text Pro"/>
+                <a:cs typeface="Arial" pitchFamily="34" charset="0"/>
+              </a:rPr>
+            </a:br>
+            <a:r>
+              <a:rPr lang="ru-RU" sz="1400" dirty="0">
+                <a:solidFill>
+                  <a:schemeClr val="tx1">
+                    <a:lumMod val="75000"/>
+                    <a:lumOff val="25000"/>
+                  </a:schemeClr>
+                </a:solidFill>
+                <a:latin typeface="Elektra Text Pro"/>
+                <a:cs typeface="Arial" pitchFamily="34" charset="0"/>
+              </a:rPr>
+              <a:t>интервального повторения</a:t>
             </a:r>
           </a:p>
         </p:txBody>
@@ -8277,7 +8813,58 @@
                 <a:latin typeface="Elektra Text Pro"/>
                 <a:cs typeface="Arial" pitchFamily="34" charset="0"/>
               </a:rPr>
-              <a:t>Веб-приложение прогнозирования стоимости легкового автомобиля</a:t>
+              <a:t>Веб-приложение для обучения по системе </a:t>
+            </a:r>
+            <a:r>
+              <a:rPr lang="ru-RU" sz="1400" dirty="0" err="1">
+                <a:solidFill>
+                  <a:schemeClr val="tx1">
+                    <a:lumMod val="75000"/>
+                    <a:lumOff val="25000"/>
+                  </a:schemeClr>
+                </a:solidFill>
+                <a:latin typeface="Elektra Text Pro"/>
+                <a:cs typeface="Arial" pitchFamily="34" charset="0"/>
+              </a:rPr>
+              <a:t>Лейтнера</a:t>
+            </a:r>
+            <a:r>
+              <a:rPr lang="ru-RU" sz="1400" dirty="0">
+                <a:solidFill>
+                  <a:schemeClr val="tx1">
+                    <a:lumMod val="75000"/>
+                    <a:lumOff val="25000"/>
+                  </a:schemeClr>
+                </a:solidFill>
+                <a:latin typeface="Elektra Text Pro"/>
+                <a:cs typeface="Arial" pitchFamily="34" charset="0"/>
+              </a:rPr>
+              <a:t> с реализацией алгоритма </a:t>
+            </a:r>
+            <a:br>
+              <a:rPr lang="ru-RU" sz="1400" dirty="0">
+                <a:solidFill>
+                  <a:schemeClr val="tx1">
+                    <a:lumMod val="75000"/>
+                    <a:lumOff val="25000"/>
+                  </a:schemeClr>
+                </a:solidFill>
+                <a:latin typeface="Elektra Text Pro"/>
+                <a:cs typeface="Arial" pitchFamily="34" charset="0"/>
+              </a:rPr>
+            </a:br>
+            <a:r>
+              <a:rPr lang="ru-RU" sz="1400" dirty="0">
+                <a:solidFill>
+                  <a:schemeClr val="tx1">
+                    <a:lumMod val="75000"/>
+                    <a:lumOff val="25000"/>
+                  </a:schemeClr>
+                </a:solidFill>
+                <a:latin typeface="Elektra Text Pro"/>
+                <a:cs typeface="Arial" pitchFamily="34" charset="0"/>
+              </a:rPr>
+              <a:t>интервального повторения</a:t>
             </a:r>
           </a:p>
         </p:txBody>
@@ -8458,7 +9045,7 @@
                 <a:latin typeface="Elektra Text Pro"/>
                 <a:cs typeface="Arial" pitchFamily="34" charset="0"/>
               </a:rPr>
-              <a:t>ЭКРАННАЯ ФОРМА</a:t>
+              <a:t>ИНТЕРФЕЙС ПРИЛОЖЕНИЯ</a:t>
             </a:r>
           </a:p>
         </p:txBody>
@@ -8553,17 +9140,68 @@
                 <a:latin typeface="Elektra Text Pro"/>
                 <a:cs typeface="Arial" pitchFamily="34" charset="0"/>
               </a:rPr>
-              <a:t>Веб-приложение прогнозирования стоимости легкового автомобиля</a:t>
+              <a:t>Веб-приложение для обучения по системе </a:t>
+            </a:r>
+            <a:r>
+              <a:rPr lang="ru-RU" sz="1400" dirty="0" err="1">
+                <a:solidFill>
+                  <a:schemeClr val="tx1">
+                    <a:lumMod val="75000"/>
+                    <a:lumOff val="25000"/>
+                  </a:schemeClr>
+                </a:solidFill>
+                <a:latin typeface="Elektra Text Pro"/>
+                <a:cs typeface="Arial" pitchFamily="34" charset="0"/>
+              </a:rPr>
+              <a:t>Лейтнера</a:t>
+            </a:r>
+            <a:r>
+              <a:rPr lang="ru-RU" sz="1400" dirty="0">
+                <a:solidFill>
+                  <a:schemeClr val="tx1">
+                    <a:lumMod val="75000"/>
+                    <a:lumOff val="25000"/>
+                  </a:schemeClr>
+                </a:solidFill>
+                <a:latin typeface="Elektra Text Pro"/>
+                <a:cs typeface="Arial" pitchFamily="34" charset="0"/>
+              </a:rPr>
+              <a:t> с реализацией алгоритма </a:t>
+            </a:r>
+            <a:br>
+              <a:rPr lang="ru-RU" sz="1400" dirty="0">
+                <a:solidFill>
+                  <a:schemeClr val="tx1">
+                    <a:lumMod val="75000"/>
+                    <a:lumOff val="25000"/>
+                  </a:schemeClr>
+                </a:solidFill>
+                <a:latin typeface="Elektra Text Pro"/>
+                <a:cs typeface="Arial" pitchFamily="34" charset="0"/>
+              </a:rPr>
+            </a:br>
+            <a:r>
+              <a:rPr lang="ru-RU" sz="1400" dirty="0">
+                <a:solidFill>
+                  <a:schemeClr val="tx1">
+                    <a:lumMod val="75000"/>
+                    <a:lumOff val="25000"/>
+                  </a:schemeClr>
+                </a:solidFill>
+                <a:latin typeface="Elektra Text Pro"/>
+                <a:cs typeface="Arial" pitchFamily="34" charset="0"/>
+              </a:rPr>
+              <a:t>интервального повторения</a:t>
             </a:r>
           </a:p>
         </p:txBody>
       </p:sp>
       <p:pic>
         <p:nvPicPr>
-          <p:cNvPr id="5" name="Рисунок 4">
+          <p:cNvPr id="3" name="Рисунок 2">
             <a:extLst>
               <a:ext uri="{FF2B5EF4-FFF2-40B4-BE49-F238E27FC236}">
-                <a16:creationId xmlns:a16="http://schemas.microsoft.com/office/drawing/2014/main" id="{A0054E4B-FFFD-4579-B7BA-1BE37B3D0549}"/>
+                <a16:creationId xmlns:a16="http://schemas.microsoft.com/office/drawing/2014/main" id="{DF206BA0-BE79-4102-8E54-9B27CDEB1858}"/>
               </a:ext>
             </a:extLst>
           </p:cNvPr>
@@ -8580,8 +9218,8 @@
         </p:blipFill>
         <p:spPr>
           <a:xfrm>
-            <a:off x="593331" y="1128738"/>
-            <a:ext cx="7956376" cy="4928551"/>
+            <a:off x="0" y="1920430"/>
+            <a:ext cx="9144000" cy="3017139"/>
           </a:xfrm>
           <a:prstGeom prst="rect">
             <a:avLst/>
@@ -8758,7 +9396,7 @@
                 <a:latin typeface="Elektra Text Pro"/>
                 <a:cs typeface="Arial" pitchFamily="34" charset="0"/>
               </a:rPr>
-              <a:t>ЭКРАННАЯ ФОРМА</a:t>
+              <a:t>ИНТЕРФЕЙС ПРИЛОЖЕНИЯ</a:t>
             </a:r>
           </a:p>
         </p:txBody>
@@ -8865,17 +9503,68 @@
                 <a:latin typeface="Elektra Text Pro"/>
                 <a:cs typeface="Arial" pitchFamily="34" charset="0"/>
               </a:rPr>
-              <a:t>Веб-приложение прогнозирования стоимости легкового автомобиля</a:t>
+              <a:t>Веб-приложение для обучения по системе </a:t>
+            </a:r>
+            <a:r>
+              <a:rPr lang="ru-RU" sz="1400" dirty="0" err="1">
+                <a:solidFill>
+                  <a:schemeClr val="tx1">
+                    <a:lumMod val="75000"/>
+                    <a:lumOff val="25000"/>
+                  </a:schemeClr>
+                </a:solidFill>
+                <a:latin typeface="Elektra Text Pro"/>
+                <a:cs typeface="Arial" pitchFamily="34" charset="0"/>
+              </a:rPr>
+              <a:t>Лейтнера</a:t>
+            </a:r>
+            <a:r>
+              <a:rPr lang="ru-RU" sz="1400" dirty="0">
+                <a:solidFill>
+                  <a:schemeClr val="tx1">
+                    <a:lumMod val="75000"/>
+                    <a:lumOff val="25000"/>
+                  </a:schemeClr>
+                </a:solidFill>
+                <a:latin typeface="Elektra Text Pro"/>
+                <a:cs typeface="Arial" pitchFamily="34" charset="0"/>
+              </a:rPr>
+              <a:t> с реализацией алгоритма </a:t>
+            </a:r>
+            <a:br>
+              <a:rPr lang="ru-RU" sz="1400" dirty="0">
+                <a:solidFill>
+                  <a:schemeClr val="tx1">
+                    <a:lumMod val="75000"/>
+                    <a:lumOff val="25000"/>
+                  </a:schemeClr>
+                </a:solidFill>
+                <a:latin typeface="Elektra Text Pro"/>
+                <a:cs typeface="Arial" pitchFamily="34" charset="0"/>
+              </a:rPr>
+            </a:br>
+            <a:r>
+              <a:rPr lang="ru-RU" sz="1400" dirty="0">
+                <a:solidFill>
+                  <a:schemeClr val="tx1">
+                    <a:lumMod val="75000"/>
+                    <a:lumOff val="25000"/>
+                  </a:schemeClr>
+                </a:solidFill>
+                <a:latin typeface="Elektra Text Pro"/>
+                <a:cs typeface="Arial" pitchFamily="34" charset="0"/>
+              </a:rPr>
+              <a:t>интервального повторения</a:t>
             </a:r>
           </a:p>
         </p:txBody>
       </p:sp>
       <p:pic>
         <p:nvPicPr>
-          <p:cNvPr id="4" name="Рисунок 3">
+          <p:cNvPr id="3" name="Рисунок 2">
             <a:extLst>
               <a:ext uri="{FF2B5EF4-FFF2-40B4-BE49-F238E27FC236}">
-                <a16:creationId xmlns:a16="http://schemas.microsoft.com/office/drawing/2014/main" id="{54600216-65C4-2B2F-7C80-5B7CFAC7C267}"/>
+                <a16:creationId xmlns:a16="http://schemas.microsoft.com/office/drawing/2014/main" id="{AA2BE737-13CB-4F32-98EE-F8F2B9145422}"/>
               </a:ext>
             </a:extLst>
           </p:cNvPr>
@@ -8892,8 +9581,8 @@
         </p:blipFill>
         <p:spPr>
           <a:xfrm>
-            <a:off x="3317270" y="1114790"/>
-            <a:ext cx="2508497" cy="4959195"/>
+            <a:off x="163819" y="1379602"/>
+            <a:ext cx="8872677" cy="4497670"/>
           </a:xfrm>
           <a:prstGeom prst="rect">
             <a:avLst/>
@@ -8918,7 +9607,13 @@
   <p:cSld>
     <p:spTree>
       <p:nvGrpSpPr>
-        <p:cNvPr id="1" name=""/>
+        <p:cNvPr id="1" name="">
+          <a:extLst>
+            <a:ext uri="{FF2B5EF4-FFF2-40B4-BE49-F238E27FC236}">
+              <a16:creationId xmlns:a16="http://schemas.microsoft.com/office/drawing/2014/main" id="{9C021088-9979-3297-05B4-024523158C40}"/>
+            </a:ext>
+          </a:extLst>
+        </p:cNvPr>
         <p:cNvGrpSpPr/>
         <p:nvPr/>
       </p:nvGrpSpPr>
@@ -8932,7 +9627,13 @@
       </p:grpSpPr>
       <p:sp>
         <p:nvSpPr>
-          <p:cNvPr id="10" name="Нижний колонтитул 9"/>
+          <p:cNvPr id="10" name="Нижний колонтитул 9">
+            <a:extLst>
+              <a:ext uri="{FF2B5EF4-FFF2-40B4-BE49-F238E27FC236}">
+                <a16:creationId xmlns:a16="http://schemas.microsoft.com/office/drawing/2014/main" id="{227729D0-5232-6312-77D0-100FA508D3DE}"/>
+              </a:ext>
+            </a:extLst>
+          </p:cNvPr>
           <p:cNvSpPr>
             <a:spLocks noGrp="1"/>
           </p:cNvSpPr>
@@ -8954,27 +9655,14 @@
           <a:lstStyle/>
           <a:p>
             <a:pPr algn="l"/>
-            <a:r>
-              <a:rPr lang="ru-RU" sz="1400">
-                <a:solidFill>
-                  <a:schemeClr val="tx1">
-                    <a:lumMod val="75000"/>
-                    <a:lumOff val="25000"/>
-                  </a:schemeClr>
-                </a:solidFill>
-                <a:latin typeface="Elektra Text Pro"/>
-                <a:cs typeface="Arial" pitchFamily="34" charset="0"/>
-              </a:rPr>
-              <a:t>Веб-приложение прогнозирования стоимости легкового автомобиля</a:t>
-            </a:r>
-            <a:endParaRPr lang="ru-RU" sz="1400" dirty="0">
+            <a:endParaRPr lang="ru-RU" sz="1400" b="1" dirty="0">
               <a:solidFill>
                 <a:schemeClr val="tx1">
-                  <a:lumMod val="75000"/>
-                  <a:lumOff val="25000"/>
+                  <a:lumMod val="50000"/>
+                  <a:lumOff val="50000"/>
                 </a:schemeClr>
               </a:solidFill>
-              <a:latin typeface="Elektra Text Pro"/>
+              <a:latin typeface="Arial" pitchFamily="34" charset="0"/>
               <a:cs typeface="Arial" pitchFamily="34" charset="0"/>
             </a:endParaRPr>
           </a:p>
@@ -8982,7 +9670,13 @@
       </p:sp>
       <p:sp>
         <p:nvSpPr>
-          <p:cNvPr id="6" name="Прямоугольник 5"/>
+          <p:cNvPr id="6" name="Прямоугольник 5">
+            <a:extLst>
+              <a:ext uri="{FF2B5EF4-FFF2-40B4-BE49-F238E27FC236}">
+                <a16:creationId xmlns:a16="http://schemas.microsoft.com/office/drawing/2014/main" id="{BE31CD7A-93C1-C01A-2183-B6BAFD644C7D}"/>
+              </a:ext>
+            </a:extLst>
+          </p:cNvPr>
           <p:cNvSpPr/>
           <p:nvPr/>
         </p:nvSpPr>
@@ -8995,7 +9689,9 @@
             <a:avLst/>
           </a:prstGeom>
           <a:solidFill>
-            <a:srgbClr val="E6E6E6"/>
+            <a:schemeClr val="bg1">
+              <a:lumMod val="85000"/>
+            </a:schemeClr>
           </a:solidFill>
           <a:ln>
             <a:noFill/>
@@ -9028,7 +9724,13 @@
       </p:sp>
       <p:sp>
         <p:nvSpPr>
-          <p:cNvPr id="2" name="Заголовок 1"/>
+          <p:cNvPr id="2" name="Заголовок 1">
+            <a:extLst>
+              <a:ext uri="{FF2B5EF4-FFF2-40B4-BE49-F238E27FC236}">
+                <a16:creationId xmlns:a16="http://schemas.microsoft.com/office/drawing/2014/main" id="{33FC3FC9-C003-ACE0-0930-1195F5008B87}"/>
+              </a:ext>
+            </a:extLst>
+          </p:cNvPr>
           <p:cNvSpPr>
             <a:spLocks noGrp="1"/>
           </p:cNvSpPr>
@@ -9038,8 +9740,8 @@
         </p:nvSpPr>
         <p:spPr>
           <a:xfrm>
-            <a:off x="251520" y="355605"/>
-            <a:ext cx="8640000" cy="720725"/>
+            <a:off x="251519" y="355605"/>
+            <a:ext cx="8640001" cy="720725"/>
           </a:xfrm>
           <a:solidFill>
             <a:srgbClr val="E6E6E6"/>
@@ -9053,219 +9755,31 @@
           <a:p>
             <a:pPr algn="ctr"/>
             <a:r>
-              <a:rPr lang="ru-RU" sz="1800" b="1" cap="all" dirty="0">
-                <a:latin typeface="Arial" pitchFamily="34" charset="0"/>
+              <a:rPr lang="ru-RU" sz="1800" b="1" dirty="0">
+                <a:latin typeface="Elektra Text Pro"/>
                 <a:cs typeface="Arial" pitchFamily="34" charset="0"/>
               </a:rPr>
-              <a:t>ВЫВОДЫ</a:t>
-            </a:r>
-            <a:endParaRPr lang="ru-RU" sz="1800" b="1" cap="all" dirty="0">
-              <a:highlight>
-                <a:srgbClr val="FFFF00"/>
-              </a:highlight>
-              <a:latin typeface="Arial" pitchFamily="34" charset="0"/>
-              <a:cs typeface="Arial" pitchFamily="34" charset="0"/>
-            </a:endParaRPr>
-          </a:p>
-        </p:txBody>
-      </p:sp>
-      <p:sp>
-        <p:nvSpPr>
-          <p:cNvPr id="3" name="Объект 2"/>
-          <p:cNvSpPr>
-            <a:spLocks noGrp="1"/>
-          </p:cNvSpPr>
-          <p:nvPr>
-            <p:ph idx="1"/>
-          </p:nvPr>
-        </p:nvSpPr>
-        <p:spPr>
-          <a:xfrm>
-            <a:off x="274504" y="1134911"/>
-            <a:ext cx="8640000" cy="4610099"/>
-          </a:xfrm>
-        </p:spPr>
-        <p:txBody>
-          <a:bodyPr>
-            <a:normAutofit/>
-          </a:bodyPr>
-          <a:lstStyle/>
-          <a:p>
-            <a:pPr marL="0" indent="0">
-              <a:lnSpc>
-                <a:spcPct val="100000"/>
-              </a:lnSpc>
-              <a:buNone/>
-            </a:pPr>
-            <a:r>
-              <a:rPr lang="ru-RU" sz="1800" spc="-1" dirty="0">
-                <a:solidFill>
-                  <a:srgbClr val="000000"/>
-                </a:solidFill>
-                <a:latin typeface="Elektra Text Pro"/>
-                <a:ea typeface="DejaVu Sans"/>
-                <a:cs typeface="Arial" panose="020B0604020202020204" pitchFamily="34" charset="0"/>
-              </a:rPr>
-              <a:t>В результате работы было разработано веб-приложение для прогнозирования стоимости легкового автомобиля с использованием нескольких алгоритмов машинного обучения. Выполнены следующие задачи:</a:t>
-            </a:r>
-          </a:p>
-          <a:p>
-            <a:pPr>
-              <a:lnSpc>
-                <a:spcPct val="100000"/>
-              </a:lnSpc>
-            </a:pPr>
-            <a:r>
-              <a:rPr lang="ru-RU" sz="1800" spc="-1" dirty="0">
-                <a:solidFill>
-                  <a:srgbClr val="000000"/>
-                </a:solidFill>
-                <a:latin typeface="Elektra Text Pro"/>
-                <a:ea typeface="DejaVu Sans"/>
-                <a:cs typeface="Arial" panose="020B0604020202020204" pitchFamily="34" charset="0"/>
-              </a:rPr>
-              <a:t>Проведен анализ предметной области;</a:t>
-            </a:r>
-          </a:p>
-          <a:p>
-            <a:pPr>
-              <a:lnSpc>
-                <a:spcPct val="100000"/>
-              </a:lnSpc>
-            </a:pPr>
-            <a:r>
-              <a:rPr lang="ru-RU" sz="1800" spc="-1" dirty="0">
-                <a:solidFill>
-                  <a:srgbClr val="000000"/>
-                </a:solidFill>
-                <a:latin typeface="Elektra Text Pro"/>
-                <a:ea typeface="DejaVu Sans"/>
-                <a:cs typeface="Arial" panose="020B0604020202020204" pitchFamily="34" charset="0"/>
-              </a:rPr>
-              <a:t>Сделан обзор систем-аналогов в области прогнозирования стоимости автомобилей;</a:t>
-            </a:r>
-          </a:p>
-          <a:p>
-            <a:pPr>
-              <a:lnSpc>
-                <a:spcPct val="100000"/>
-              </a:lnSpc>
-            </a:pPr>
-            <a:r>
-              <a:rPr lang="ru-RU" sz="1800" spc="-1" dirty="0">
-                <a:solidFill>
-                  <a:srgbClr val="000000"/>
-                </a:solidFill>
-                <a:latin typeface="Elektra Text Pro"/>
-                <a:ea typeface="DejaVu Sans"/>
-                <a:cs typeface="Arial" panose="020B0604020202020204" pitchFamily="34" charset="0"/>
-              </a:rPr>
-              <a:t>Собраны данные для обучения моделей машинного обучения;</a:t>
-            </a:r>
-          </a:p>
-          <a:p>
-            <a:pPr>
-              <a:lnSpc>
-                <a:spcPct val="100000"/>
-              </a:lnSpc>
-            </a:pPr>
-            <a:r>
-              <a:rPr lang="ru-RU" sz="1800" spc="-1" dirty="0">
-                <a:solidFill>
-                  <a:srgbClr val="000000"/>
-                </a:solidFill>
-                <a:latin typeface="Elektra Text Pro"/>
-                <a:ea typeface="DejaVu Sans"/>
-                <a:cs typeface="Arial" panose="020B0604020202020204" pitchFamily="34" charset="0"/>
-              </a:rPr>
-              <a:t>Проведен сравнительный анализ примененных алгоритмов прогнозирования стоимости легкового автомобиля, в ходе которого было выяснено, что оптимальным алгоритмом решения задачи является градиентный </a:t>
-            </a:r>
-            <a:r>
-              <a:rPr lang="ru-RU" sz="1800" spc="-1" dirty="0" err="1">
-                <a:solidFill>
-                  <a:srgbClr val="000000"/>
-                </a:solidFill>
-                <a:latin typeface="Elektra Text Pro"/>
-                <a:ea typeface="DejaVu Sans"/>
-                <a:cs typeface="Arial" panose="020B0604020202020204" pitchFamily="34" charset="0"/>
-              </a:rPr>
-              <a:t>бустинг</a:t>
-            </a:r>
-            <a:r>
-              <a:rPr lang="ru-RU" sz="1800" spc="-1" dirty="0">
-                <a:solidFill>
-                  <a:srgbClr val="000000"/>
-                </a:solidFill>
-                <a:latin typeface="Elektra Text Pro"/>
-                <a:ea typeface="DejaVu Sans"/>
-                <a:cs typeface="Arial" panose="020B0604020202020204" pitchFamily="34" charset="0"/>
-              </a:rPr>
-              <a:t>, показывающий высокую точность при прогнозировании;</a:t>
-            </a:r>
-          </a:p>
-          <a:p>
-            <a:pPr>
-              <a:lnSpc>
-                <a:spcPct val="100000"/>
-              </a:lnSpc>
-            </a:pPr>
-            <a:r>
-              <a:rPr lang="ru-RU" sz="1800" spc="-1" dirty="0">
-                <a:solidFill>
-                  <a:srgbClr val="000000"/>
-                </a:solidFill>
-                <a:latin typeface="Elektra Text Pro"/>
-                <a:ea typeface="DejaVu Sans"/>
-                <a:cs typeface="Arial" panose="020B0604020202020204" pitchFamily="34" charset="0"/>
-              </a:rPr>
-              <a:t>Разработано и реализовано информационное и программное обеспечение;</a:t>
-            </a:r>
-          </a:p>
-          <a:p>
-            <a:pPr>
-              <a:lnSpc>
-                <a:spcPct val="100000"/>
-              </a:lnSpc>
-            </a:pPr>
-            <a:r>
-              <a:rPr lang="ru-RU" sz="1800" spc="-1" dirty="0">
-                <a:solidFill>
-                  <a:srgbClr val="000000"/>
-                </a:solidFill>
-                <a:latin typeface="Elektra Text Pro"/>
-                <a:ea typeface="DejaVu Sans"/>
-                <a:cs typeface="Arial" panose="020B0604020202020204" pitchFamily="34" charset="0"/>
-              </a:rPr>
-              <a:t>Проведено тестирование и отладка разработанного веб-приложения.</a:t>
-            </a:r>
-          </a:p>
-          <a:p>
-            <a:pPr>
-              <a:lnSpc>
-                <a:spcPct val="100000"/>
-              </a:lnSpc>
-            </a:pPr>
-            <a:endParaRPr lang="ru-RU" sz="1800" spc="-1" dirty="0">
-              <a:solidFill>
-                <a:srgbClr val="000000"/>
-              </a:solidFill>
-              <a:latin typeface="Elektra Text Pro"/>
-              <a:ea typeface="DejaVu Sans"/>
-              <a:cs typeface="Arial" panose="020B0604020202020204" pitchFamily="34" charset="0"/>
-            </a:endParaRPr>
-          </a:p>
-        </p:txBody>
-      </p:sp>
-      <p:sp>
-        <p:nvSpPr>
-          <p:cNvPr id="9" name="TextBox 8"/>
+              <a:t>ИНТЕРФЕЙС ПРИЛОЖЕНИЯ</a:t>
+            </a:r>
+          </a:p>
+        </p:txBody>
+      </p:sp>
+      <p:sp>
+        <p:nvSpPr>
+          <p:cNvPr id="9" name="TextBox 8">
+            <a:extLst>
+              <a:ext uri="{FF2B5EF4-FFF2-40B4-BE49-F238E27FC236}">
+                <a16:creationId xmlns:a16="http://schemas.microsoft.com/office/drawing/2014/main" id="{534AD733-89AD-0FA3-9A38-9831BCC70B86}"/>
+              </a:ext>
+            </a:extLst>
+          </p:cNvPr>
           <p:cNvSpPr txBox="1"/>
           <p:nvPr/>
         </p:nvSpPr>
         <p:spPr>
           <a:xfrm>
-            <a:off x="8100392" y="6165306"/>
-            <a:ext cx="772285" cy="369332"/>
+            <a:off x="7956376" y="6165306"/>
+            <a:ext cx="916301" cy="369332"/>
           </a:xfrm>
           <a:prstGeom prst="rect">
             <a:avLst/>
@@ -9293,7 +9807,13 @@
       </p:sp>
       <p:sp>
         <p:nvSpPr>
-          <p:cNvPr id="8" name="Объект 2"/>
+          <p:cNvPr id="11" name="Заголовок 1">
+            <a:extLst>
+              <a:ext uri="{FF2B5EF4-FFF2-40B4-BE49-F238E27FC236}">
+                <a16:creationId xmlns:a16="http://schemas.microsoft.com/office/drawing/2014/main" id="{F8B64A0F-7C28-498F-AE82-B6C49B5DB168}"/>
+              </a:ext>
+            </a:extLst>
+          </p:cNvPr>
           <p:cNvSpPr txBox="1">
             <a:spLocks/>
           </p:cNvSpPr>
@@ -9301,205 +9821,141 @@
         </p:nvSpPr>
         <p:spPr>
           <a:xfrm>
-            <a:off x="1894205" y="5551563"/>
-            <a:ext cx="5400598" cy="504056"/>
+            <a:off x="251520" y="6112445"/>
+            <a:ext cx="7200800" cy="520850"/>
           </a:xfrm>
           <a:prstGeom prst="rect">
             <a:avLst/>
           </a:prstGeom>
-          <a:noFill/>
-        </p:spPr>
-        <p:txBody>
-          <a:bodyPr vert="horz" lIns="91440" tIns="45720" rIns="91440" bIns="45720" rtlCol="0" anchor="ctr" anchorCtr="0">
-            <a:normAutofit/>
+          <a:solidFill>
+            <a:srgbClr val="E6E6E6"/>
+          </a:solidFill>
+        </p:spPr>
+        <p:txBody>
+          <a:bodyPr vert="horz" lIns="91440" tIns="45720" rIns="91440" bIns="45720" rtlCol="0" anchor="ctr">
+            <a:noAutofit/>
           </a:bodyPr>
           <a:lstStyle>
-            <a:lvl1pPr marL="228600" indent="-228600" algn="l" defTabSz="914400" rtl="0" eaLnBrk="1" latinLnBrk="0" hangingPunct="1">
+            <a:lvl1pPr algn="l" defTabSz="914400" rtl="0" eaLnBrk="1" latinLnBrk="0" hangingPunct="1">
               <a:lnSpc>
                 <a:spcPct val="90000"/>
               </a:lnSpc>
               <a:spcBef>
-                <a:spcPts val="1000"/>
+                <a:spcPct val="0"/>
               </a:spcBef>
-              <a:buFont typeface="Arial" panose="020B0604020202020204" pitchFamily="34" charset="0"/>
-              <a:buChar char="•"/>
-              <a:defRPr sz="2800" kern="1200">
+              <a:buNone/>
+              <a:defRPr sz="4400" kern="1200">
                 <a:solidFill>
                   <a:schemeClr val="tx1"/>
                 </a:solidFill>
-                <a:latin typeface="+mn-lt"/>
-                <a:ea typeface="+mn-ea"/>
-                <a:cs typeface="+mn-cs"/>
+                <a:latin typeface="+mj-lt"/>
+                <a:ea typeface="+mj-ea"/>
+                <a:cs typeface="+mj-cs"/>
               </a:defRPr>
             </a:lvl1pPr>
-            <a:lvl2pPr marL="685800" indent="-228600" algn="l" defTabSz="914400" rtl="0" eaLnBrk="1" latinLnBrk="0" hangingPunct="1">
-              <a:lnSpc>
-                <a:spcPct val="90000"/>
-              </a:lnSpc>
-              <a:spcBef>
-                <a:spcPts val="500"/>
-              </a:spcBef>
-              <a:buFont typeface="Arial" panose="020B0604020202020204" pitchFamily="34" charset="0"/>
-              <a:buChar char="•"/>
-              <a:defRPr sz="2400" kern="1200">
-                <a:solidFill>
-                  <a:schemeClr val="tx1"/>
-                </a:solidFill>
-                <a:latin typeface="+mn-lt"/>
-                <a:ea typeface="+mn-ea"/>
-                <a:cs typeface="+mn-cs"/>
-              </a:defRPr>
-            </a:lvl2pPr>
-            <a:lvl3pPr marL="1143000" indent="-228600" algn="l" defTabSz="914400" rtl="0" eaLnBrk="1" latinLnBrk="0" hangingPunct="1">
-              <a:lnSpc>
-                <a:spcPct val="90000"/>
-              </a:lnSpc>
-              <a:spcBef>
-                <a:spcPts val="500"/>
-              </a:spcBef>
-              <a:buFont typeface="Arial" panose="020B0604020202020204" pitchFamily="34" charset="0"/>
-              <a:buChar char="•"/>
-              <a:defRPr sz="2000" kern="1200">
-                <a:solidFill>
-                  <a:schemeClr val="tx1"/>
-                </a:solidFill>
-                <a:latin typeface="+mn-lt"/>
-                <a:ea typeface="+mn-ea"/>
-                <a:cs typeface="+mn-cs"/>
-              </a:defRPr>
-            </a:lvl3pPr>
-            <a:lvl4pPr marL="1600200" indent="-228600" algn="l" defTabSz="914400" rtl="0" eaLnBrk="1" latinLnBrk="0" hangingPunct="1">
-              <a:lnSpc>
-                <a:spcPct val="90000"/>
-              </a:lnSpc>
-              <a:spcBef>
-                <a:spcPts val="500"/>
-              </a:spcBef>
-              <a:buFont typeface="Arial" panose="020B0604020202020204" pitchFamily="34" charset="0"/>
-              <a:buChar char="•"/>
-              <a:defRPr sz="1800" kern="1200">
-                <a:solidFill>
-                  <a:schemeClr val="tx1"/>
-                </a:solidFill>
-                <a:latin typeface="+mn-lt"/>
-                <a:ea typeface="+mn-ea"/>
-                <a:cs typeface="+mn-cs"/>
-              </a:defRPr>
-            </a:lvl4pPr>
-            <a:lvl5pPr marL="2057400" indent="-228600" algn="l" defTabSz="914400" rtl="0" eaLnBrk="1" latinLnBrk="0" hangingPunct="1">
-              <a:lnSpc>
-                <a:spcPct val="90000"/>
-              </a:lnSpc>
-              <a:spcBef>
-                <a:spcPts val="500"/>
-              </a:spcBef>
-              <a:buFont typeface="Arial" panose="020B0604020202020204" pitchFamily="34" charset="0"/>
-              <a:buChar char="•"/>
-              <a:defRPr sz="1800" kern="1200">
-                <a:solidFill>
-                  <a:schemeClr val="tx1"/>
-                </a:solidFill>
-                <a:latin typeface="+mn-lt"/>
-                <a:ea typeface="+mn-ea"/>
-                <a:cs typeface="+mn-cs"/>
-              </a:defRPr>
-            </a:lvl5pPr>
-            <a:lvl6pPr marL="2514600" indent="-228600" algn="l" defTabSz="914400" rtl="0" eaLnBrk="1" latinLnBrk="0" hangingPunct="1">
-              <a:lnSpc>
-                <a:spcPct val="90000"/>
-              </a:lnSpc>
-              <a:spcBef>
-                <a:spcPts val="500"/>
-              </a:spcBef>
-              <a:buFont typeface="Arial" panose="020B0604020202020204" pitchFamily="34" charset="0"/>
-              <a:buChar char="•"/>
-              <a:defRPr sz="1800" kern="1200">
-                <a:solidFill>
-                  <a:schemeClr val="tx1"/>
-                </a:solidFill>
-                <a:latin typeface="+mn-lt"/>
-                <a:ea typeface="+mn-ea"/>
-                <a:cs typeface="+mn-cs"/>
-              </a:defRPr>
-            </a:lvl6pPr>
-            <a:lvl7pPr marL="2971800" indent="-228600" algn="l" defTabSz="914400" rtl="0" eaLnBrk="1" latinLnBrk="0" hangingPunct="1">
-              <a:lnSpc>
-                <a:spcPct val="90000"/>
-              </a:lnSpc>
-              <a:spcBef>
-                <a:spcPts val="500"/>
-              </a:spcBef>
-              <a:buFont typeface="Arial" panose="020B0604020202020204" pitchFamily="34" charset="0"/>
-              <a:buChar char="•"/>
-              <a:defRPr sz="1800" kern="1200">
-                <a:solidFill>
-                  <a:schemeClr val="tx1"/>
-                </a:solidFill>
-                <a:latin typeface="+mn-lt"/>
-                <a:ea typeface="+mn-ea"/>
-                <a:cs typeface="+mn-cs"/>
-              </a:defRPr>
-            </a:lvl7pPr>
-            <a:lvl8pPr marL="3429000" indent="-228600" algn="l" defTabSz="914400" rtl="0" eaLnBrk="1" latinLnBrk="0" hangingPunct="1">
-              <a:lnSpc>
-                <a:spcPct val="90000"/>
-              </a:lnSpc>
-              <a:spcBef>
-                <a:spcPts val="500"/>
-              </a:spcBef>
-              <a:buFont typeface="Arial" panose="020B0604020202020204" pitchFamily="34" charset="0"/>
-              <a:buChar char="•"/>
-              <a:defRPr sz="1800" kern="1200">
-                <a:solidFill>
-                  <a:schemeClr val="tx1"/>
-                </a:solidFill>
-                <a:latin typeface="+mn-lt"/>
-                <a:ea typeface="+mn-ea"/>
-                <a:cs typeface="+mn-cs"/>
-              </a:defRPr>
-            </a:lvl8pPr>
-            <a:lvl9pPr marL="3886200" indent="-228600" algn="l" defTabSz="914400" rtl="0" eaLnBrk="1" latinLnBrk="0" hangingPunct="1">
-              <a:lnSpc>
-                <a:spcPct val="90000"/>
-              </a:lnSpc>
-              <a:spcBef>
-                <a:spcPts val="500"/>
-              </a:spcBef>
-              <a:buFont typeface="Arial" panose="020B0604020202020204" pitchFamily="34" charset="0"/>
-              <a:buChar char="•"/>
-              <a:defRPr sz="1800" kern="1200">
-                <a:solidFill>
-                  <a:schemeClr val="tx1"/>
-                </a:solidFill>
-                <a:latin typeface="+mn-lt"/>
-                <a:ea typeface="+mn-ea"/>
-                <a:cs typeface="+mn-cs"/>
-              </a:defRPr>
-            </a:lvl9pPr>
           </a:lstStyle>
           <a:p>
-            <a:pPr marL="0" indent="0" algn="ctr">
-              <a:buNone/>
-            </a:pPr>
-            <a:r>
-              <a:rPr lang="ru-RU" sz="1800" b="1" dirty="0">
+            <a:r>
+              <a:rPr lang="ru-RU" sz="1400" dirty="0">
                 <a:solidFill>
                   <a:schemeClr val="tx1">
-                    <a:lumMod val="95000"/>
-                    <a:lumOff val="5000"/>
+                    <a:lumMod val="75000"/>
+                    <a:lumOff val="25000"/>
                   </a:schemeClr>
                 </a:solidFill>
-                <a:latin typeface="Elektra Text Pro" panose="02000503030000020004" pitchFamily="50" charset="-52"/>
-              </a:rPr>
-              <a:t>БЛАГОДАРЮ ЗА ВНИМАНИЕ!</a:t>
-            </a:r>
-          </a:p>
-        </p:txBody>
-      </p:sp>
+                <a:latin typeface="Elektra Text Pro"/>
+                <a:cs typeface="Arial" pitchFamily="34" charset="0"/>
+              </a:rPr>
+              <a:t>Веб-приложение для обучения по системе </a:t>
+            </a:r>
+            <a:r>
+              <a:rPr lang="ru-RU" sz="1400" dirty="0" err="1">
+                <a:solidFill>
+                  <a:schemeClr val="tx1">
+                    <a:lumMod val="75000"/>
+                    <a:lumOff val="25000"/>
+                  </a:schemeClr>
+                </a:solidFill>
+                <a:latin typeface="Elektra Text Pro"/>
+                <a:cs typeface="Arial" pitchFamily="34" charset="0"/>
+              </a:rPr>
+              <a:t>Лейтнера</a:t>
+            </a:r>
+            <a:r>
+              <a:rPr lang="ru-RU" sz="1400" dirty="0">
+                <a:solidFill>
+                  <a:schemeClr val="tx1">
+                    <a:lumMod val="75000"/>
+                    <a:lumOff val="25000"/>
+                  </a:schemeClr>
+                </a:solidFill>
+                <a:latin typeface="Elektra Text Pro"/>
+                <a:cs typeface="Arial" pitchFamily="34" charset="0"/>
+              </a:rPr>
+              <a:t> с реализацией алгоритма </a:t>
+            </a:r>
+            <a:br>
+              <a:rPr lang="ru-RU" sz="1400" dirty="0">
+                <a:solidFill>
+                  <a:schemeClr val="tx1">
+                    <a:lumMod val="75000"/>
+                    <a:lumOff val="25000"/>
+                  </a:schemeClr>
+                </a:solidFill>
+                <a:latin typeface="Elektra Text Pro"/>
+                <a:cs typeface="Arial" pitchFamily="34" charset="0"/>
+              </a:rPr>
+            </a:br>
+            <a:r>
+              <a:rPr lang="ru-RU" sz="1400" dirty="0">
+                <a:solidFill>
+                  <a:schemeClr val="tx1">
+                    <a:lumMod val="75000"/>
+                    <a:lumOff val="25000"/>
+                  </a:schemeClr>
+                </a:solidFill>
+                <a:latin typeface="Elektra Text Pro"/>
+                <a:cs typeface="Arial" pitchFamily="34" charset="0"/>
+              </a:rPr>
+              <a:t>интервального повторения</a:t>
+            </a:r>
+          </a:p>
+        </p:txBody>
+      </p:sp>
+      <p:pic>
+        <p:nvPicPr>
+          <p:cNvPr id="4" name="Рисунок 3">
+            <a:extLst>
+              <a:ext uri="{FF2B5EF4-FFF2-40B4-BE49-F238E27FC236}">
+                <a16:creationId xmlns:a16="http://schemas.microsoft.com/office/drawing/2014/main" id="{A8A04BD9-0599-4A3F-81FF-28258DD5F524}"/>
+              </a:ext>
+            </a:extLst>
+          </p:cNvPr>
+          <p:cNvPicPr>
+            <a:picLocks noChangeAspect="1"/>
+          </p:cNvPicPr>
+          <p:nvPr/>
+        </p:nvPicPr>
+        <p:blipFill>
+          <a:blip r:embed="rId3"/>
+          <a:stretch>
+            <a:fillRect/>
+          </a:stretch>
+        </p:blipFill>
+        <p:spPr>
+          <a:xfrm>
+            <a:off x="492152" y="1114435"/>
+            <a:ext cx="8158733" cy="4913894"/>
+          </a:xfrm>
+          <a:prstGeom prst="rect">
+            <a:avLst/>
+          </a:prstGeom>
+        </p:spPr>
+      </p:pic>
     </p:spTree>
     <p:extLst>
       <p:ext uri="{BB962C8B-B14F-4D97-AF65-F5344CB8AC3E}">
-        <p14:creationId xmlns:p14="http://schemas.microsoft.com/office/powerpoint/2010/main" val="3348837"/>
+        <p14:creationId xmlns:p14="http://schemas.microsoft.com/office/powerpoint/2010/main" val="1498631396"/>
       </p:ext>
     </p:extLst>
   </p:cSld>
@@ -9877,7 +10333,33 @@
                 <a:latin typeface="Elektra Text Pro"/>
                 <a:cs typeface="Arial" pitchFamily="34" charset="0"/>
               </a:rPr>
-              <a:t>Веб-приложение прогнозирования стоимости легкового автомобиля</a:t>
+              <a:t>Веб-приложение для обучения по системе </a:t>
+            </a:r>
+            <a:r>
+              <a:rPr lang="ru-RU" sz="1400" dirty="0" err="1">
+                <a:solidFill>
+                  <a:schemeClr val="tx1">
+                    <a:lumMod val="75000"/>
+                    <a:lumOff val="25000"/>
+                  </a:schemeClr>
+                </a:solidFill>
+                <a:latin typeface="Elektra Text Pro"/>
+                <a:cs typeface="Arial" pitchFamily="34" charset="0"/>
+              </a:rPr>
+              <a:t>Лейтнера</a:t>
+            </a:r>
+            <a:r>
+              <a:rPr lang="ru-RU" sz="1400" dirty="0">
+                <a:solidFill>
+                  <a:schemeClr val="tx1">
+                    <a:lumMod val="75000"/>
+                    <a:lumOff val="25000"/>
+                  </a:schemeClr>
+                </a:solidFill>
+                <a:latin typeface="Elektra Text Pro"/>
+                <a:cs typeface="Arial" pitchFamily="34" charset="0"/>
+              </a:rPr>
+              <a:t> с реализацией алгоритма интервального повторения</a:t>
             </a:r>
           </a:p>
         </p:txBody>
@@ -9886,6 +10368,1074 @@
     <p:extLst>
       <p:ext uri="{BB962C8B-B14F-4D97-AF65-F5344CB8AC3E}">
         <p14:creationId xmlns:p14="http://schemas.microsoft.com/office/powerpoint/2010/main" val="1665863790"/>
+      </p:ext>
+    </p:extLst>
+  </p:cSld>
+  <p:clrMapOvr>
+    <a:masterClrMapping/>
+  </p:clrMapOvr>
+</p:sld>
+</file>
+
+<file path=ppt/slides/slide20.xml><?xml version="1.0" encoding="utf-8"?>
+<p:sld xmlns:a="http://schemas.openxmlformats.org/drawingml/2006/main" xmlns:r="http://schemas.openxmlformats.org/officeDocument/2006/relationships" xmlns:p="http://schemas.openxmlformats.org/presentationml/2006/main">
+  <p:cSld>
+    <p:spTree>
+      <p:nvGrpSpPr>
+        <p:cNvPr id="1" name="">
+          <a:extLst>
+            <a:ext uri="{FF2B5EF4-FFF2-40B4-BE49-F238E27FC236}">
+              <a16:creationId xmlns:a16="http://schemas.microsoft.com/office/drawing/2014/main" id="{9C021088-9979-3297-05B4-024523158C40}"/>
+            </a:ext>
+          </a:extLst>
+        </p:cNvPr>
+        <p:cNvGrpSpPr/>
+        <p:nvPr/>
+      </p:nvGrpSpPr>
+      <p:grpSpPr>
+        <a:xfrm>
+          <a:off x="0" y="0"/>
+          <a:ext cx="0" cy="0"/>
+          <a:chOff x="0" y="0"/>
+          <a:chExt cx="0" cy="0"/>
+        </a:xfrm>
+      </p:grpSpPr>
+      <p:sp>
+        <p:nvSpPr>
+          <p:cNvPr id="10" name="Нижний колонтитул 9">
+            <a:extLst>
+              <a:ext uri="{FF2B5EF4-FFF2-40B4-BE49-F238E27FC236}">
+                <a16:creationId xmlns:a16="http://schemas.microsoft.com/office/drawing/2014/main" id="{227729D0-5232-6312-77D0-100FA508D3DE}"/>
+              </a:ext>
+            </a:extLst>
+          </p:cNvPr>
+          <p:cNvSpPr>
+            <a:spLocks noGrp="1"/>
+          </p:cNvSpPr>
+          <p:nvPr>
+            <p:ph type="ftr" sz="quarter" idx="11"/>
+          </p:nvPr>
+        </p:nvSpPr>
+        <p:spPr>
+          <a:xfrm>
+            <a:off x="251520" y="6093295"/>
+            <a:ext cx="8640000" cy="540000"/>
+          </a:xfrm>
+          <a:solidFill>
+            <a:srgbClr val="E6E6E6"/>
+          </a:solidFill>
+        </p:spPr>
+        <p:txBody>
+          <a:bodyPr/>
+          <a:lstStyle/>
+          <a:p>
+            <a:pPr algn="l"/>
+            <a:endParaRPr lang="ru-RU" sz="1400" b="1" dirty="0">
+              <a:solidFill>
+                <a:schemeClr val="tx1">
+                  <a:lumMod val="50000"/>
+                  <a:lumOff val="50000"/>
+                </a:schemeClr>
+              </a:solidFill>
+              <a:latin typeface="Arial" pitchFamily="34" charset="0"/>
+              <a:cs typeface="Arial" pitchFamily="34" charset="0"/>
+            </a:endParaRPr>
+          </a:p>
+        </p:txBody>
+      </p:sp>
+      <p:sp>
+        <p:nvSpPr>
+          <p:cNvPr id="6" name="Прямоугольник 5">
+            <a:extLst>
+              <a:ext uri="{FF2B5EF4-FFF2-40B4-BE49-F238E27FC236}">
+                <a16:creationId xmlns:a16="http://schemas.microsoft.com/office/drawing/2014/main" id="{BE31CD7A-93C1-C01A-2183-B6BAFD644C7D}"/>
+              </a:ext>
+            </a:extLst>
+          </p:cNvPr>
+          <p:cNvSpPr/>
+          <p:nvPr/>
+        </p:nvSpPr>
+        <p:spPr>
+          <a:xfrm>
+            <a:off x="251520" y="342900"/>
+            <a:ext cx="8640000" cy="720000"/>
+          </a:xfrm>
+          <a:prstGeom prst="rect">
+            <a:avLst/>
+          </a:prstGeom>
+          <a:solidFill>
+            <a:schemeClr val="bg1">
+              <a:lumMod val="85000"/>
+            </a:schemeClr>
+          </a:solidFill>
+          <a:ln>
+            <a:noFill/>
+          </a:ln>
+        </p:spPr>
+        <p:style>
+          <a:lnRef idx="2">
+            <a:schemeClr val="accent1">
+              <a:shade val="50000"/>
+            </a:schemeClr>
+          </a:lnRef>
+          <a:fillRef idx="1">
+            <a:schemeClr val="accent1"/>
+          </a:fillRef>
+          <a:effectRef idx="0">
+            <a:schemeClr val="accent1"/>
+          </a:effectRef>
+          <a:fontRef idx="minor">
+            <a:schemeClr val="lt1"/>
+          </a:fontRef>
+        </p:style>
+        <p:txBody>
+          <a:bodyPr rtlCol="0" anchor="ctr"/>
+          <a:lstStyle/>
+          <a:p>
+            <a:pPr algn="ctr"/>
+            <a:endParaRPr lang="ru-RU"/>
+          </a:p>
+        </p:txBody>
+      </p:sp>
+      <p:sp>
+        <p:nvSpPr>
+          <p:cNvPr id="2" name="Заголовок 1">
+            <a:extLst>
+              <a:ext uri="{FF2B5EF4-FFF2-40B4-BE49-F238E27FC236}">
+                <a16:creationId xmlns:a16="http://schemas.microsoft.com/office/drawing/2014/main" id="{33FC3FC9-C003-ACE0-0930-1195F5008B87}"/>
+              </a:ext>
+            </a:extLst>
+          </p:cNvPr>
+          <p:cNvSpPr>
+            <a:spLocks noGrp="1"/>
+          </p:cNvSpPr>
+          <p:nvPr>
+            <p:ph type="title"/>
+          </p:nvPr>
+        </p:nvSpPr>
+        <p:spPr>
+          <a:xfrm>
+            <a:off x="251519" y="355605"/>
+            <a:ext cx="8640001" cy="720725"/>
+          </a:xfrm>
+          <a:solidFill>
+            <a:srgbClr val="E6E6E6"/>
+          </a:solidFill>
+        </p:spPr>
+        <p:txBody>
+          <a:bodyPr>
+            <a:noAutofit/>
+          </a:bodyPr>
+          <a:lstStyle/>
+          <a:p>
+            <a:pPr algn="ctr"/>
+            <a:r>
+              <a:rPr lang="ru-RU" sz="1800" b="1" dirty="0">
+                <a:latin typeface="Elektra Text Pro"/>
+                <a:cs typeface="Arial" pitchFamily="34" charset="0"/>
+              </a:rPr>
+              <a:t>ИНТЕРФЕЙС ПРИЛОЖЕНИЯ</a:t>
+            </a:r>
+          </a:p>
+        </p:txBody>
+      </p:sp>
+      <p:sp>
+        <p:nvSpPr>
+          <p:cNvPr id="9" name="TextBox 8">
+            <a:extLst>
+              <a:ext uri="{FF2B5EF4-FFF2-40B4-BE49-F238E27FC236}">
+                <a16:creationId xmlns:a16="http://schemas.microsoft.com/office/drawing/2014/main" id="{534AD733-89AD-0FA3-9A38-9831BCC70B86}"/>
+              </a:ext>
+            </a:extLst>
+          </p:cNvPr>
+          <p:cNvSpPr txBox="1"/>
+          <p:nvPr/>
+        </p:nvSpPr>
+        <p:spPr>
+          <a:xfrm>
+            <a:off x="7956376" y="6165306"/>
+            <a:ext cx="916301" cy="369332"/>
+          </a:xfrm>
+          <a:prstGeom prst="rect">
+            <a:avLst/>
+          </a:prstGeom>
+          <a:noFill/>
+        </p:spPr>
+        <p:txBody>
+          <a:bodyPr wrap="square" rtlCol="0">
+            <a:spAutoFit/>
+          </a:bodyPr>
+          <a:lstStyle/>
+          <a:p>
+            <a:pPr algn="r"/>
+            <a:fld id="{249A5D52-88F9-4971-91E7-95B02B6DE201}" type="slidenum">
+              <a:rPr lang="ru-RU" smtClean="0"/>
+              <a:pPr algn="r"/>
+              <a:t>20</a:t>
+            </a:fld>
+            <a:r>
+              <a:rPr lang="ru-RU" dirty="0"/>
+              <a:t>/</a:t>
+            </a:r>
+            <a:r>
+              <a:rPr lang="en-US" dirty="0"/>
+              <a:t>21</a:t>
+            </a:r>
+            <a:endParaRPr lang="ru-RU" dirty="0"/>
+          </a:p>
+        </p:txBody>
+      </p:sp>
+      <p:sp>
+        <p:nvSpPr>
+          <p:cNvPr id="11" name="Заголовок 1">
+            <a:extLst>
+              <a:ext uri="{FF2B5EF4-FFF2-40B4-BE49-F238E27FC236}">
+                <a16:creationId xmlns:a16="http://schemas.microsoft.com/office/drawing/2014/main" id="{F8B64A0F-7C28-498F-AE82-B6C49B5DB168}"/>
+              </a:ext>
+            </a:extLst>
+          </p:cNvPr>
+          <p:cNvSpPr txBox="1">
+            <a:spLocks/>
+          </p:cNvSpPr>
+          <p:nvPr/>
+        </p:nvSpPr>
+        <p:spPr>
+          <a:xfrm>
+            <a:off x="251520" y="6112445"/>
+            <a:ext cx="7200800" cy="520850"/>
+          </a:xfrm>
+          <a:prstGeom prst="rect">
+            <a:avLst/>
+          </a:prstGeom>
+          <a:solidFill>
+            <a:srgbClr val="E6E6E6"/>
+          </a:solidFill>
+        </p:spPr>
+        <p:txBody>
+          <a:bodyPr vert="horz" lIns="91440" tIns="45720" rIns="91440" bIns="45720" rtlCol="0" anchor="ctr">
+            <a:noAutofit/>
+          </a:bodyPr>
+          <a:lstStyle>
+            <a:lvl1pPr algn="l" defTabSz="914400" rtl="0" eaLnBrk="1" latinLnBrk="0" hangingPunct="1">
+              <a:lnSpc>
+                <a:spcPct val="90000"/>
+              </a:lnSpc>
+              <a:spcBef>
+                <a:spcPct val="0"/>
+              </a:spcBef>
+              <a:buNone/>
+              <a:defRPr sz="4400" kern="1200">
+                <a:solidFill>
+                  <a:schemeClr val="tx1"/>
+                </a:solidFill>
+                <a:latin typeface="+mj-lt"/>
+                <a:ea typeface="+mj-ea"/>
+                <a:cs typeface="+mj-cs"/>
+              </a:defRPr>
+            </a:lvl1pPr>
+          </a:lstStyle>
+          <a:p>
+            <a:r>
+              <a:rPr lang="ru-RU" sz="1400" dirty="0">
+                <a:solidFill>
+                  <a:schemeClr val="tx1">
+                    <a:lumMod val="75000"/>
+                    <a:lumOff val="25000"/>
+                  </a:schemeClr>
+                </a:solidFill>
+                <a:latin typeface="Elektra Text Pro"/>
+                <a:cs typeface="Arial" pitchFamily="34" charset="0"/>
+              </a:rPr>
+              <a:t>Веб-приложение для обучения по системе </a:t>
+            </a:r>
+            <a:r>
+              <a:rPr lang="ru-RU" sz="1400" dirty="0" err="1">
+                <a:solidFill>
+                  <a:schemeClr val="tx1">
+                    <a:lumMod val="75000"/>
+                    <a:lumOff val="25000"/>
+                  </a:schemeClr>
+                </a:solidFill>
+                <a:latin typeface="Elektra Text Pro"/>
+                <a:cs typeface="Arial" pitchFamily="34" charset="0"/>
+              </a:rPr>
+              <a:t>Лейтнера</a:t>
+            </a:r>
+            <a:r>
+              <a:rPr lang="ru-RU" sz="1400" dirty="0">
+                <a:solidFill>
+                  <a:schemeClr val="tx1">
+                    <a:lumMod val="75000"/>
+                    <a:lumOff val="25000"/>
+                  </a:schemeClr>
+                </a:solidFill>
+                <a:latin typeface="Elektra Text Pro"/>
+                <a:cs typeface="Arial" pitchFamily="34" charset="0"/>
+              </a:rPr>
+              <a:t> с реализацией алгоритма </a:t>
+            </a:r>
+            <a:br>
+              <a:rPr lang="ru-RU" sz="1400" dirty="0">
+                <a:solidFill>
+                  <a:schemeClr val="tx1">
+                    <a:lumMod val="75000"/>
+                    <a:lumOff val="25000"/>
+                  </a:schemeClr>
+                </a:solidFill>
+                <a:latin typeface="Elektra Text Pro"/>
+                <a:cs typeface="Arial" pitchFamily="34" charset="0"/>
+              </a:rPr>
+            </a:br>
+            <a:r>
+              <a:rPr lang="ru-RU" sz="1400" dirty="0">
+                <a:solidFill>
+                  <a:schemeClr val="tx1">
+                    <a:lumMod val="75000"/>
+                    <a:lumOff val="25000"/>
+                  </a:schemeClr>
+                </a:solidFill>
+                <a:latin typeface="Elektra Text Pro"/>
+                <a:cs typeface="Arial" pitchFamily="34" charset="0"/>
+              </a:rPr>
+              <a:t>интервального повторения</a:t>
+            </a:r>
+          </a:p>
+        </p:txBody>
+      </p:sp>
+      <p:pic>
+        <p:nvPicPr>
+          <p:cNvPr id="3" name="Рисунок 2">
+            <a:extLst>
+              <a:ext uri="{FF2B5EF4-FFF2-40B4-BE49-F238E27FC236}">
+                <a16:creationId xmlns:a16="http://schemas.microsoft.com/office/drawing/2014/main" id="{BF1B5D4A-9D00-4401-B6A2-B532F35F7F30}"/>
+              </a:ext>
+            </a:extLst>
+          </p:cNvPr>
+          <p:cNvPicPr>
+            <a:picLocks noChangeAspect="1"/>
+          </p:cNvPicPr>
+          <p:nvPr/>
+        </p:nvPicPr>
+        <p:blipFill>
+          <a:blip r:embed="rId3"/>
+          <a:stretch>
+            <a:fillRect/>
+          </a:stretch>
+        </p:blipFill>
+        <p:spPr>
+          <a:xfrm>
+            <a:off x="642223" y="1268760"/>
+            <a:ext cx="7858592" cy="4476649"/>
+          </a:xfrm>
+          <a:prstGeom prst="rect">
+            <a:avLst/>
+          </a:prstGeom>
+        </p:spPr>
+      </p:pic>
+    </p:spTree>
+    <p:extLst>
+      <p:ext uri="{BB962C8B-B14F-4D97-AF65-F5344CB8AC3E}">
+        <p14:creationId xmlns:p14="http://schemas.microsoft.com/office/powerpoint/2010/main" val="3589227410"/>
+      </p:ext>
+    </p:extLst>
+  </p:cSld>
+  <p:clrMapOvr>
+    <a:masterClrMapping/>
+  </p:clrMapOvr>
+</p:sld>
+</file>
+
+<file path=ppt/slides/slide21.xml><?xml version="1.0" encoding="utf-8"?>
+<p:sld xmlns:a="http://schemas.openxmlformats.org/drawingml/2006/main" xmlns:r="http://schemas.openxmlformats.org/officeDocument/2006/relationships" xmlns:p="http://schemas.openxmlformats.org/presentationml/2006/main">
+  <p:cSld>
+    <p:spTree>
+      <p:nvGrpSpPr>
+        <p:cNvPr id="1" name=""/>
+        <p:cNvGrpSpPr/>
+        <p:nvPr/>
+      </p:nvGrpSpPr>
+      <p:grpSpPr>
+        <a:xfrm>
+          <a:off x="0" y="0"/>
+          <a:ext cx="0" cy="0"/>
+          <a:chOff x="0" y="0"/>
+          <a:chExt cx="0" cy="0"/>
+        </a:xfrm>
+      </p:grpSpPr>
+      <p:sp>
+        <p:nvSpPr>
+          <p:cNvPr id="10" name="Нижний колонтитул 9"/>
+          <p:cNvSpPr>
+            <a:spLocks noGrp="1"/>
+          </p:cNvSpPr>
+          <p:nvPr>
+            <p:ph type="ftr" sz="quarter" idx="11"/>
+          </p:nvPr>
+        </p:nvSpPr>
+        <p:spPr>
+          <a:xfrm>
+            <a:off x="251520" y="6093295"/>
+            <a:ext cx="8640000" cy="540000"/>
+          </a:xfrm>
+          <a:solidFill>
+            <a:srgbClr val="E6E6E6"/>
+          </a:solidFill>
+        </p:spPr>
+        <p:txBody>
+          <a:bodyPr/>
+          <a:lstStyle/>
+          <a:p>
+            <a:pPr algn="l"/>
+            <a:r>
+              <a:rPr lang="ru-RU" sz="1400" dirty="0">
+                <a:solidFill>
+                  <a:schemeClr val="tx1">
+                    <a:lumMod val="75000"/>
+                    <a:lumOff val="25000"/>
+                  </a:schemeClr>
+                </a:solidFill>
+                <a:latin typeface="Elektra Text Pro"/>
+                <a:cs typeface="Arial" pitchFamily="34" charset="0"/>
+              </a:rPr>
+              <a:t>Веб-приложение для обучения по системе </a:t>
+            </a:r>
+            <a:r>
+              <a:rPr lang="ru-RU" sz="1400" dirty="0" err="1">
+                <a:solidFill>
+                  <a:schemeClr val="tx1">
+                    <a:lumMod val="75000"/>
+                    <a:lumOff val="25000"/>
+                  </a:schemeClr>
+                </a:solidFill>
+                <a:latin typeface="Elektra Text Pro"/>
+                <a:cs typeface="Arial" pitchFamily="34" charset="0"/>
+              </a:rPr>
+              <a:t>Лейтнера</a:t>
+            </a:r>
+            <a:r>
+              <a:rPr lang="ru-RU" sz="1400" dirty="0">
+                <a:solidFill>
+                  <a:schemeClr val="tx1">
+                    <a:lumMod val="75000"/>
+                    <a:lumOff val="25000"/>
+                  </a:schemeClr>
+                </a:solidFill>
+                <a:latin typeface="Elektra Text Pro"/>
+                <a:cs typeface="Arial" pitchFamily="34" charset="0"/>
+              </a:rPr>
+              <a:t> с реализацией алгоритма </a:t>
+            </a:r>
+            <a:br>
+              <a:rPr lang="ru-RU" sz="1400" dirty="0">
+                <a:solidFill>
+                  <a:schemeClr val="tx1">
+                    <a:lumMod val="75000"/>
+                    <a:lumOff val="25000"/>
+                  </a:schemeClr>
+                </a:solidFill>
+                <a:latin typeface="Elektra Text Pro"/>
+                <a:cs typeface="Arial" pitchFamily="34" charset="0"/>
+              </a:rPr>
+            </a:br>
+            <a:r>
+              <a:rPr lang="ru-RU" sz="1400" dirty="0">
+                <a:solidFill>
+                  <a:schemeClr val="tx1">
+                    <a:lumMod val="75000"/>
+                    <a:lumOff val="25000"/>
+                  </a:schemeClr>
+                </a:solidFill>
+                <a:latin typeface="Elektra Text Pro"/>
+                <a:cs typeface="Arial" pitchFamily="34" charset="0"/>
+              </a:rPr>
+              <a:t>интервального повторения</a:t>
+            </a:r>
+          </a:p>
+        </p:txBody>
+      </p:sp>
+      <p:sp>
+        <p:nvSpPr>
+          <p:cNvPr id="6" name="Прямоугольник 5"/>
+          <p:cNvSpPr/>
+          <p:nvPr/>
+        </p:nvSpPr>
+        <p:spPr>
+          <a:xfrm>
+            <a:off x="251520" y="342900"/>
+            <a:ext cx="8640000" cy="720000"/>
+          </a:xfrm>
+          <a:prstGeom prst="rect">
+            <a:avLst/>
+          </a:prstGeom>
+          <a:solidFill>
+            <a:srgbClr val="E6E6E6"/>
+          </a:solidFill>
+          <a:ln>
+            <a:noFill/>
+          </a:ln>
+        </p:spPr>
+        <p:style>
+          <a:lnRef idx="2">
+            <a:schemeClr val="accent1">
+              <a:shade val="50000"/>
+            </a:schemeClr>
+          </a:lnRef>
+          <a:fillRef idx="1">
+            <a:schemeClr val="accent1"/>
+          </a:fillRef>
+          <a:effectRef idx="0">
+            <a:schemeClr val="accent1"/>
+          </a:effectRef>
+          <a:fontRef idx="minor">
+            <a:schemeClr val="lt1"/>
+          </a:fontRef>
+        </p:style>
+        <p:txBody>
+          <a:bodyPr rtlCol="0" anchor="ctr"/>
+          <a:lstStyle/>
+          <a:p>
+            <a:pPr algn="ctr"/>
+            <a:endParaRPr lang="ru-RU"/>
+          </a:p>
+        </p:txBody>
+      </p:sp>
+      <p:sp>
+        <p:nvSpPr>
+          <p:cNvPr id="2" name="Заголовок 1"/>
+          <p:cNvSpPr>
+            <a:spLocks noGrp="1"/>
+          </p:cNvSpPr>
+          <p:nvPr>
+            <p:ph type="title"/>
+          </p:nvPr>
+        </p:nvSpPr>
+        <p:spPr>
+          <a:xfrm>
+            <a:off x="251520" y="355605"/>
+            <a:ext cx="8640000" cy="720725"/>
+          </a:xfrm>
+          <a:solidFill>
+            <a:srgbClr val="E6E6E6"/>
+          </a:solidFill>
+        </p:spPr>
+        <p:txBody>
+          <a:bodyPr>
+            <a:noAutofit/>
+          </a:bodyPr>
+          <a:lstStyle/>
+          <a:p>
+            <a:pPr algn="ctr"/>
+            <a:r>
+              <a:rPr lang="ru-RU" sz="1800" b="1" cap="all" dirty="0">
+                <a:latin typeface="Arial" pitchFamily="34" charset="0"/>
+                <a:cs typeface="Arial" pitchFamily="34" charset="0"/>
+              </a:rPr>
+              <a:t>ВЫВОДЫ</a:t>
+            </a:r>
+            <a:endParaRPr lang="ru-RU" sz="1800" b="1" cap="all" dirty="0">
+              <a:highlight>
+                <a:srgbClr val="FFFF00"/>
+              </a:highlight>
+              <a:latin typeface="Arial" pitchFamily="34" charset="0"/>
+              <a:cs typeface="Arial" pitchFamily="34" charset="0"/>
+            </a:endParaRPr>
+          </a:p>
+        </p:txBody>
+      </p:sp>
+      <p:sp>
+        <p:nvSpPr>
+          <p:cNvPr id="3" name="Объект 2"/>
+          <p:cNvSpPr>
+            <a:spLocks noGrp="1"/>
+          </p:cNvSpPr>
+          <p:nvPr>
+            <p:ph idx="1"/>
+          </p:nvPr>
+        </p:nvSpPr>
+        <p:spPr>
+          <a:xfrm>
+            <a:off x="274504" y="1134911"/>
+            <a:ext cx="8640000" cy="4610099"/>
+          </a:xfrm>
+        </p:spPr>
+        <p:txBody>
+          <a:bodyPr>
+            <a:normAutofit/>
+          </a:bodyPr>
+          <a:lstStyle/>
+          <a:p>
+            <a:pPr marL="0" indent="0">
+              <a:lnSpc>
+                <a:spcPct val="100000"/>
+              </a:lnSpc>
+              <a:buNone/>
+            </a:pPr>
+            <a:r>
+              <a:rPr lang="ru-RU" sz="1800" spc="-1" dirty="0">
+                <a:solidFill>
+                  <a:srgbClr val="000000"/>
+                </a:solidFill>
+                <a:latin typeface="Elektra Text Pro"/>
+                <a:ea typeface="DejaVu Sans"/>
+                <a:cs typeface="Arial" panose="020B0604020202020204" pitchFamily="34" charset="0"/>
+              </a:rPr>
+              <a:t>Веб-приложение для обучения по системе </a:t>
+            </a:r>
+            <a:r>
+              <a:rPr lang="ru-RU" sz="1800" spc="-1" dirty="0" err="1">
+                <a:solidFill>
+                  <a:srgbClr val="000000"/>
+                </a:solidFill>
+                <a:latin typeface="Elektra Text Pro"/>
+                <a:ea typeface="DejaVu Sans"/>
+                <a:cs typeface="Arial" panose="020B0604020202020204" pitchFamily="34" charset="0"/>
+              </a:rPr>
+              <a:t>Лейтнера</a:t>
+            </a:r>
+            <a:r>
+              <a:rPr lang="ru-RU" sz="1800" spc="-1" dirty="0">
+                <a:solidFill>
+                  <a:srgbClr val="000000"/>
+                </a:solidFill>
+                <a:latin typeface="Elektra Text Pro"/>
+                <a:ea typeface="DejaVu Sans"/>
+                <a:cs typeface="Arial" panose="020B0604020202020204" pitchFamily="34" charset="0"/>
+              </a:rPr>
+              <a:t> с реализацией алгоритма </a:t>
+            </a:r>
+            <a:br>
+              <a:rPr lang="ru-RU" sz="1800" spc="-1" dirty="0">
+                <a:solidFill>
+                  <a:srgbClr val="000000"/>
+                </a:solidFill>
+                <a:latin typeface="Elektra Text Pro"/>
+                <a:ea typeface="DejaVu Sans"/>
+                <a:cs typeface="Arial" panose="020B0604020202020204" pitchFamily="34" charset="0"/>
+              </a:rPr>
+            </a:br>
+            <a:r>
+              <a:rPr lang="ru-RU" sz="1800" spc="-1" dirty="0">
+                <a:solidFill>
+                  <a:srgbClr val="000000"/>
+                </a:solidFill>
+                <a:latin typeface="Elektra Text Pro"/>
+                <a:ea typeface="DejaVu Sans"/>
+                <a:cs typeface="Arial" panose="020B0604020202020204" pitchFamily="34" charset="0"/>
+              </a:rPr>
+              <a:t>интервального повторения. Выполнены следующие задачи:</a:t>
+            </a:r>
+          </a:p>
+          <a:p>
+            <a:pPr>
+              <a:lnSpc>
+                <a:spcPct val="100000"/>
+              </a:lnSpc>
+            </a:pPr>
+            <a:r>
+              <a:rPr lang="ru-RU" sz="1800" spc="-1" dirty="0">
+                <a:solidFill>
+                  <a:srgbClr val="000000"/>
+                </a:solidFill>
+                <a:latin typeface="Elektra Text Pro"/>
+                <a:ea typeface="DejaVu Sans"/>
+                <a:cs typeface="Arial" panose="020B0604020202020204" pitchFamily="34" charset="0"/>
+              </a:rPr>
+              <a:t>Проведен анализ предметной области;</a:t>
+            </a:r>
+          </a:p>
+          <a:p>
+            <a:pPr>
+              <a:lnSpc>
+                <a:spcPct val="100000"/>
+              </a:lnSpc>
+            </a:pPr>
+            <a:r>
+              <a:rPr lang="ru-RU" sz="1800" spc="-1" dirty="0">
+                <a:solidFill>
+                  <a:srgbClr val="000000"/>
+                </a:solidFill>
+                <a:latin typeface="Elektra Text Pro"/>
+                <a:ea typeface="DejaVu Sans"/>
+                <a:cs typeface="Arial" panose="020B0604020202020204" pitchFamily="34" charset="0"/>
+              </a:rPr>
+              <a:t>Сделан обзор систем-аналогов в области обучения по системе </a:t>
+            </a:r>
+            <a:r>
+              <a:rPr lang="ru-RU" sz="1800" spc="-1" dirty="0" err="1">
+                <a:solidFill>
+                  <a:srgbClr val="000000"/>
+                </a:solidFill>
+                <a:latin typeface="Elektra Text Pro"/>
+                <a:ea typeface="DejaVu Sans"/>
+                <a:cs typeface="Arial" panose="020B0604020202020204" pitchFamily="34" charset="0"/>
+              </a:rPr>
+              <a:t>Лейтнера</a:t>
+            </a:r>
+            <a:r>
+              <a:rPr lang="ru-RU" sz="1800" spc="-1" dirty="0">
+                <a:solidFill>
+                  <a:srgbClr val="000000"/>
+                </a:solidFill>
+                <a:latin typeface="Elektra Text Pro"/>
+                <a:ea typeface="DejaVu Sans"/>
+                <a:cs typeface="Arial" panose="020B0604020202020204" pitchFamily="34" charset="0"/>
+              </a:rPr>
+              <a:t> с реализацией алгоритма интервального повторения;</a:t>
+            </a:r>
+          </a:p>
+          <a:p>
+            <a:pPr>
+              <a:lnSpc>
+                <a:spcPct val="100000"/>
+              </a:lnSpc>
+            </a:pPr>
+            <a:r>
+              <a:rPr lang="ru-RU" sz="1800" spc="-1" dirty="0">
+                <a:solidFill>
+                  <a:srgbClr val="000000"/>
+                </a:solidFill>
+                <a:latin typeface="Elektra Text Pro"/>
+                <a:ea typeface="DejaVu Sans"/>
+                <a:cs typeface="Arial" panose="020B0604020202020204" pitchFamily="34" charset="0"/>
+              </a:rPr>
+              <a:t>Изучены реализации алгоритма интервального повторения;</a:t>
+            </a:r>
+          </a:p>
+          <a:p>
+            <a:pPr>
+              <a:lnSpc>
+                <a:spcPct val="100000"/>
+              </a:lnSpc>
+            </a:pPr>
+            <a:r>
+              <a:rPr lang="ru-RU" sz="1800" spc="-1" dirty="0">
+                <a:solidFill>
+                  <a:srgbClr val="000000"/>
+                </a:solidFill>
+                <a:latin typeface="Elektra Text Pro"/>
+                <a:ea typeface="DejaVu Sans"/>
+                <a:cs typeface="Arial" panose="020B0604020202020204" pitchFamily="34" charset="0"/>
+              </a:rPr>
+              <a:t>Спроектирована </a:t>
+            </a:r>
+            <a:r>
+              <a:rPr lang="ru-RU" sz="1800" dirty="0"/>
+              <a:t>архитектура системы: определить основные модули, их взаимодействие и используемые технологии</a:t>
+            </a:r>
+            <a:r>
+              <a:rPr lang="ru-RU" sz="1800" spc="-1" dirty="0">
+                <a:solidFill>
+                  <a:srgbClr val="000000"/>
+                </a:solidFill>
+                <a:latin typeface="Elektra Text Pro"/>
+                <a:ea typeface="DejaVu Sans"/>
+                <a:cs typeface="Arial" panose="020B0604020202020204" pitchFamily="34" charset="0"/>
+              </a:rPr>
+              <a:t>;</a:t>
+            </a:r>
+          </a:p>
+          <a:p>
+            <a:pPr>
+              <a:lnSpc>
+                <a:spcPct val="100000"/>
+              </a:lnSpc>
+            </a:pPr>
+            <a:r>
+              <a:rPr lang="ru-RU" sz="1800" spc="-1" dirty="0">
+                <a:solidFill>
+                  <a:srgbClr val="000000"/>
+                </a:solidFill>
+                <a:latin typeface="Elektra Text Pro"/>
+                <a:ea typeface="DejaVu Sans"/>
+                <a:cs typeface="Arial" panose="020B0604020202020204" pitchFamily="34" charset="0"/>
+              </a:rPr>
+              <a:t>Разработано и реализовано информационное и программное обеспечение;</a:t>
+            </a:r>
+          </a:p>
+          <a:p>
+            <a:pPr>
+              <a:lnSpc>
+                <a:spcPct val="100000"/>
+              </a:lnSpc>
+            </a:pPr>
+            <a:r>
+              <a:rPr lang="ru-RU" sz="1800" spc="-1" dirty="0">
+                <a:solidFill>
+                  <a:srgbClr val="000000"/>
+                </a:solidFill>
+                <a:latin typeface="Elektra Text Pro"/>
+                <a:ea typeface="DejaVu Sans"/>
+                <a:cs typeface="Arial" panose="020B0604020202020204" pitchFamily="34" charset="0"/>
+              </a:rPr>
+              <a:t>Проведено тестирование и отладка разработанного веб-приложения.</a:t>
+            </a:r>
+          </a:p>
+          <a:p>
+            <a:pPr>
+              <a:lnSpc>
+                <a:spcPct val="100000"/>
+              </a:lnSpc>
+            </a:pPr>
+            <a:endParaRPr lang="ru-RU" sz="1800" spc="-1" dirty="0">
+              <a:solidFill>
+                <a:srgbClr val="000000"/>
+              </a:solidFill>
+              <a:latin typeface="Elektra Text Pro"/>
+              <a:ea typeface="DejaVu Sans"/>
+              <a:cs typeface="Arial" panose="020B0604020202020204" pitchFamily="34" charset="0"/>
+            </a:endParaRPr>
+          </a:p>
+        </p:txBody>
+      </p:sp>
+      <p:sp>
+        <p:nvSpPr>
+          <p:cNvPr id="9" name="TextBox 8"/>
+          <p:cNvSpPr txBox="1"/>
+          <p:nvPr/>
+        </p:nvSpPr>
+        <p:spPr>
+          <a:xfrm>
+            <a:off x="8100392" y="6165306"/>
+            <a:ext cx="772285" cy="369332"/>
+          </a:xfrm>
+          <a:prstGeom prst="rect">
+            <a:avLst/>
+          </a:prstGeom>
+          <a:noFill/>
+        </p:spPr>
+        <p:txBody>
+          <a:bodyPr wrap="square" rtlCol="0">
+            <a:spAutoFit/>
+          </a:bodyPr>
+          <a:lstStyle/>
+          <a:p>
+            <a:pPr algn="r"/>
+            <a:fld id="{249A5D52-88F9-4971-91E7-95B02B6DE201}" type="slidenum">
+              <a:rPr lang="ru-RU" smtClean="0"/>
+              <a:pPr algn="r"/>
+              <a:t>21</a:t>
+            </a:fld>
+            <a:r>
+              <a:rPr lang="ru-RU" dirty="0"/>
+              <a:t>/</a:t>
+            </a:r>
+            <a:r>
+              <a:rPr lang="en-US" dirty="0"/>
+              <a:t>21</a:t>
+            </a:r>
+            <a:endParaRPr lang="ru-RU" dirty="0"/>
+          </a:p>
+        </p:txBody>
+      </p:sp>
+      <p:sp>
+        <p:nvSpPr>
+          <p:cNvPr id="8" name="Объект 2"/>
+          <p:cNvSpPr txBox="1">
+            <a:spLocks/>
+          </p:cNvSpPr>
+          <p:nvPr/>
+        </p:nvSpPr>
+        <p:spPr>
+          <a:xfrm>
+            <a:off x="1894205" y="5551563"/>
+            <a:ext cx="5400598" cy="504056"/>
+          </a:xfrm>
+          <a:prstGeom prst="rect">
+            <a:avLst/>
+          </a:prstGeom>
+          <a:noFill/>
+        </p:spPr>
+        <p:txBody>
+          <a:bodyPr vert="horz" lIns="91440" tIns="45720" rIns="91440" bIns="45720" rtlCol="0" anchor="ctr" anchorCtr="0">
+            <a:normAutofit/>
+          </a:bodyPr>
+          <a:lstStyle>
+            <a:lvl1pPr marL="228600" indent="-228600" algn="l" defTabSz="914400" rtl="0" eaLnBrk="1" latinLnBrk="0" hangingPunct="1">
+              <a:lnSpc>
+                <a:spcPct val="90000"/>
+              </a:lnSpc>
+              <a:spcBef>
+                <a:spcPts val="1000"/>
+              </a:spcBef>
+              <a:buFont typeface="Arial" panose="020B0604020202020204" pitchFamily="34" charset="0"/>
+              <a:buChar char="•"/>
+              <a:defRPr sz="2800" kern="1200">
+                <a:solidFill>
+                  <a:schemeClr val="tx1"/>
+                </a:solidFill>
+                <a:latin typeface="+mn-lt"/>
+                <a:ea typeface="+mn-ea"/>
+                <a:cs typeface="+mn-cs"/>
+              </a:defRPr>
+            </a:lvl1pPr>
+            <a:lvl2pPr marL="685800" indent="-228600" algn="l" defTabSz="914400" rtl="0" eaLnBrk="1" latinLnBrk="0" hangingPunct="1">
+              <a:lnSpc>
+                <a:spcPct val="90000"/>
+              </a:lnSpc>
+              <a:spcBef>
+                <a:spcPts val="500"/>
+              </a:spcBef>
+              <a:buFont typeface="Arial" panose="020B0604020202020204" pitchFamily="34" charset="0"/>
+              <a:buChar char="•"/>
+              <a:defRPr sz="2400" kern="1200">
+                <a:solidFill>
+                  <a:schemeClr val="tx1"/>
+                </a:solidFill>
+                <a:latin typeface="+mn-lt"/>
+                <a:ea typeface="+mn-ea"/>
+                <a:cs typeface="+mn-cs"/>
+              </a:defRPr>
+            </a:lvl2pPr>
+            <a:lvl3pPr marL="1143000" indent="-228600" algn="l" defTabSz="914400" rtl="0" eaLnBrk="1" latinLnBrk="0" hangingPunct="1">
+              <a:lnSpc>
+                <a:spcPct val="90000"/>
+              </a:lnSpc>
+              <a:spcBef>
+                <a:spcPts val="500"/>
+              </a:spcBef>
+              <a:buFont typeface="Arial" panose="020B0604020202020204" pitchFamily="34" charset="0"/>
+              <a:buChar char="•"/>
+              <a:defRPr sz="2000" kern="1200">
+                <a:solidFill>
+                  <a:schemeClr val="tx1"/>
+                </a:solidFill>
+                <a:latin typeface="+mn-lt"/>
+                <a:ea typeface="+mn-ea"/>
+                <a:cs typeface="+mn-cs"/>
+              </a:defRPr>
+            </a:lvl3pPr>
+            <a:lvl4pPr marL="1600200" indent="-228600" algn="l" defTabSz="914400" rtl="0" eaLnBrk="1" latinLnBrk="0" hangingPunct="1">
+              <a:lnSpc>
+                <a:spcPct val="90000"/>
+              </a:lnSpc>
+              <a:spcBef>
+                <a:spcPts val="500"/>
+              </a:spcBef>
+              <a:buFont typeface="Arial" panose="020B0604020202020204" pitchFamily="34" charset="0"/>
+              <a:buChar char="•"/>
+              <a:defRPr sz="1800" kern="1200">
+                <a:solidFill>
+                  <a:schemeClr val="tx1"/>
+                </a:solidFill>
+                <a:latin typeface="+mn-lt"/>
+                <a:ea typeface="+mn-ea"/>
+                <a:cs typeface="+mn-cs"/>
+              </a:defRPr>
+            </a:lvl4pPr>
+            <a:lvl5pPr marL="2057400" indent="-228600" algn="l" defTabSz="914400" rtl="0" eaLnBrk="1" latinLnBrk="0" hangingPunct="1">
+              <a:lnSpc>
+                <a:spcPct val="90000"/>
+              </a:lnSpc>
+              <a:spcBef>
+                <a:spcPts val="500"/>
+              </a:spcBef>
+              <a:buFont typeface="Arial" panose="020B0604020202020204" pitchFamily="34" charset="0"/>
+              <a:buChar char="•"/>
+              <a:defRPr sz="1800" kern="1200">
+                <a:solidFill>
+                  <a:schemeClr val="tx1"/>
+                </a:solidFill>
+                <a:latin typeface="+mn-lt"/>
+                <a:ea typeface="+mn-ea"/>
+                <a:cs typeface="+mn-cs"/>
+              </a:defRPr>
+            </a:lvl5pPr>
+            <a:lvl6pPr marL="2514600" indent="-228600" algn="l" defTabSz="914400" rtl="0" eaLnBrk="1" latinLnBrk="0" hangingPunct="1">
+              <a:lnSpc>
+                <a:spcPct val="90000"/>
+              </a:lnSpc>
+              <a:spcBef>
+                <a:spcPts val="500"/>
+              </a:spcBef>
+              <a:buFont typeface="Arial" panose="020B0604020202020204" pitchFamily="34" charset="0"/>
+              <a:buChar char="•"/>
+              <a:defRPr sz="1800" kern="1200">
+                <a:solidFill>
+                  <a:schemeClr val="tx1"/>
+                </a:solidFill>
+                <a:latin typeface="+mn-lt"/>
+                <a:ea typeface="+mn-ea"/>
+                <a:cs typeface="+mn-cs"/>
+              </a:defRPr>
+            </a:lvl6pPr>
+            <a:lvl7pPr marL="2971800" indent="-228600" algn="l" defTabSz="914400" rtl="0" eaLnBrk="1" latinLnBrk="0" hangingPunct="1">
+              <a:lnSpc>
+                <a:spcPct val="90000"/>
+              </a:lnSpc>
+              <a:spcBef>
+                <a:spcPts val="500"/>
+              </a:spcBef>
+              <a:buFont typeface="Arial" panose="020B0604020202020204" pitchFamily="34" charset="0"/>
+              <a:buChar char="•"/>
+              <a:defRPr sz="1800" kern="1200">
+                <a:solidFill>
+                  <a:schemeClr val="tx1"/>
+                </a:solidFill>
+                <a:latin typeface="+mn-lt"/>
+                <a:ea typeface="+mn-ea"/>
+                <a:cs typeface="+mn-cs"/>
+              </a:defRPr>
+            </a:lvl7pPr>
+            <a:lvl8pPr marL="3429000" indent="-228600" algn="l" defTabSz="914400" rtl="0" eaLnBrk="1" latinLnBrk="0" hangingPunct="1">
+              <a:lnSpc>
+                <a:spcPct val="90000"/>
+              </a:lnSpc>
+              <a:spcBef>
+                <a:spcPts val="500"/>
+              </a:spcBef>
+              <a:buFont typeface="Arial" panose="020B0604020202020204" pitchFamily="34" charset="0"/>
+              <a:buChar char="•"/>
+              <a:defRPr sz="1800" kern="1200">
+                <a:solidFill>
+                  <a:schemeClr val="tx1"/>
+                </a:solidFill>
+                <a:latin typeface="+mn-lt"/>
+                <a:ea typeface="+mn-ea"/>
+                <a:cs typeface="+mn-cs"/>
+              </a:defRPr>
+            </a:lvl8pPr>
+            <a:lvl9pPr marL="3886200" indent="-228600" algn="l" defTabSz="914400" rtl="0" eaLnBrk="1" latinLnBrk="0" hangingPunct="1">
+              <a:lnSpc>
+                <a:spcPct val="90000"/>
+              </a:lnSpc>
+              <a:spcBef>
+                <a:spcPts val="500"/>
+              </a:spcBef>
+              <a:buFont typeface="Arial" panose="020B0604020202020204" pitchFamily="34" charset="0"/>
+              <a:buChar char="•"/>
+              <a:defRPr sz="1800" kern="1200">
+                <a:solidFill>
+                  <a:schemeClr val="tx1"/>
+                </a:solidFill>
+                <a:latin typeface="+mn-lt"/>
+                <a:ea typeface="+mn-ea"/>
+                <a:cs typeface="+mn-cs"/>
+              </a:defRPr>
+            </a:lvl9pPr>
+          </a:lstStyle>
+          <a:p>
+            <a:pPr marL="0" indent="0" algn="ctr">
+              <a:buNone/>
+            </a:pPr>
+            <a:r>
+              <a:rPr lang="ru-RU" sz="1800" b="1" dirty="0">
+                <a:solidFill>
+                  <a:schemeClr val="tx1">
+                    <a:lumMod val="95000"/>
+                    <a:lumOff val="5000"/>
+                  </a:schemeClr>
+                </a:solidFill>
+                <a:latin typeface="Elektra Text Pro" panose="02000503030000020004" pitchFamily="50" charset="-52"/>
+              </a:rPr>
+              <a:t>БЛАГОДАРЮ ЗА ВНИМАНИЕ!</a:t>
+            </a:r>
+          </a:p>
+        </p:txBody>
+      </p:sp>
+    </p:spTree>
+    <p:extLst>
+      <p:ext uri="{BB962C8B-B14F-4D97-AF65-F5344CB8AC3E}">
+        <p14:creationId xmlns:p14="http://schemas.microsoft.com/office/powerpoint/2010/main" val="3348837"/>
       </p:ext>
     </p:extLst>
   </p:cSld>
@@ -10111,8 +11661,12 @@
               <a:t>learning</a:t>
             </a:r>
             <a:r>
+              <a:rPr lang="en-US" sz="1600" dirty="0"/>
+              <a:t> </a:t>
+            </a:r>
+            <a:r>
               <a:rPr lang="ru-RU" sz="1600" dirty="0"/>
-              <a:t>-решения стабильно растёт.</a:t>
+              <a:t>решения стабильно растёт.</a:t>
             </a:r>
           </a:p>
           <a:p>
@@ -10252,7 +11806,33 @@
                 <a:latin typeface="Elektra Text Pro"/>
                 <a:cs typeface="Arial" pitchFamily="34" charset="0"/>
               </a:rPr>
-              <a:t>Веб-приложение прогнозирования стоимости легкового автомобиля</a:t>
+              <a:t>Веб-приложение для обучения по системе </a:t>
+            </a:r>
+            <a:r>
+              <a:rPr lang="ru-RU" sz="1400" dirty="0" err="1">
+                <a:solidFill>
+                  <a:schemeClr val="tx1">
+                    <a:lumMod val="75000"/>
+                    <a:lumOff val="25000"/>
+                  </a:schemeClr>
+                </a:solidFill>
+                <a:latin typeface="Elektra Text Pro"/>
+                <a:cs typeface="Arial" pitchFamily="34" charset="0"/>
+              </a:rPr>
+              <a:t>Лейтнера</a:t>
+            </a:r>
+            <a:r>
+              <a:rPr lang="ru-RU" sz="1400" dirty="0">
+                <a:solidFill>
+                  <a:schemeClr val="tx1">
+                    <a:lumMod val="75000"/>
+                    <a:lumOff val="25000"/>
+                  </a:schemeClr>
+                </a:solidFill>
+                <a:latin typeface="Elektra Text Pro"/>
+                <a:cs typeface="Arial" pitchFamily="34" charset="0"/>
+              </a:rPr>
+              <a:t> с реализацией алгоритма интервального повторения</a:t>
             </a:r>
           </a:p>
         </p:txBody>
@@ -10342,7 +11922,58 @@
                 <a:latin typeface="Elektra Text Pro"/>
                 <a:cs typeface="Arial" pitchFamily="34" charset="0"/>
               </a:rPr>
-              <a:t>Веб-приложение прогнозирования стоимости легкового автомобиля</a:t>
+              <a:t>Веб-приложение для обучения по системе </a:t>
+            </a:r>
+            <a:r>
+              <a:rPr lang="ru-RU" sz="1400" dirty="0" err="1">
+                <a:solidFill>
+                  <a:schemeClr val="tx1">
+                    <a:lumMod val="75000"/>
+                    <a:lumOff val="25000"/>
+                  </a:schemeClr>
+                </a:solidFill>
+                <a:latin typeface="Elektra Text Pro"/>
+                <a:cs typeface="Arial" pitchFamily="34" charset="0"/>
+              </a:rPr>
+              <a:t>Лейтнера</a:t>
+            </a:r>
+            <a:r>
+              <a:rPr lang="ru-RU" sz="1400" dirty="0">
+                <a:solidFill>
+                  <a:schemeClr val="tx1">
+                    <a:lumMod val="75000"/>
+                    <a:lumOff val="25000"/>
+                  </a:schemeClr>
+                </a:solidFill>
+                <a:latin typeface="Elektra Text Pro"/>
+                <a:cs typeface="Arial" pitchFamily="34" charset="0"/>
+              </a:rPr>
+              <a:t> с реализацией алгоритма </a:t>
+            </a:r>
+            <a:br>
+              <a:rPr lang="ru-RU" sz="1400" dirty="0">
+                <a:solidFill>
+                  <a:schemeClr val="tx1">
+                    <a:lumMod val="75000"/>
+                    <a:lumOff val="25000"/>
+                  </a:schemeClr>
+                </a:solidFill>
+                <a:latin typeface="Elektra Text Pro"/>
+                <a:cs typeface="Arial" pitchFamily="34" charset="0"/>
+              </a:rPr>
+            </a:br>
+            <a:r>
+              <a:rPr lang="ru-RU" sz="1400" dirty="0">
+                <a:solidFill>
+                  <a:schemeClr val="tx1">
+                    <a:lumMod val="75000"/>
+                    <a:lumOff val="25000"/>
+                  </a:schemeClr>
+                </a:solidFill>
+                <a:latin typeface="Elektra Text Pro"/>
+                <a:cs typeface="Arial" pitchFamily="34" charset="0"/>
+              </a:rPr>
+              <a:t>интервального повторения</a:t>
             </a:r>
           </a:p>
         </p:txBody>
@@ -10674,7 +12305,58 @@
                 <a:latin typeface="Elektra Text Pro"/>
                 <a:cs typeface="Arial" pitchFamily="34" charset="0"/>
               </a:rPr>
-              <a:t>Веб-приложение прогнозирования стоимости легкового автомобиля</a:t>
+              <a:t>Веб-приложение для обучения по системе </a:t>
+            </a:r>
+            <a:r>
+              <a:rPr lang="ru-RU" sz="1400" dirty="0" err="1">
+                <a:solidFill>
+                  <a:schemeClr val="tx1">
+                    <a:lumMod val="75000"/>
+                    <a:lumOff val="25000"/>
+                  </a:schemeClr>
+                </a:solidFill>
+                <a:latin typeface="Elektra Text Pro"/>
+                <a:cs typeface="Arial" pitchFamily="34" charset="0"/>
+              </a:rPr>
+              <a:t>Лейтнера</a:t>
+            </a:r>
+            <a:r>
+              <a:rPr lang="ru-RU" sz="1400" dirty="0">
+                <a:solidFill>
+                  <a:schemeClr val="tx1">
+                    <a:lumMod val="75000"/>
+                    <a:lumOff val="25000"/>
+                  </a:schemeClr>
+                </a:solidFill>
+                <a:latin typeface="Elektra Text Pro"/>
+                <a:cs typeface="Arial" pitchFamily="34" charset="0"/>
+              </a:rPr>
+              <a:t> с реализацией алгоритма </a:t>
+            </a:r>
+            <a:br>
+              <a:rPr lang="ru-RU" sz="1400" dirty="0">
+                <a:solidFill>
+                  <a:schemeClr val="tx1">
+                    <a:lumMod val="75000"/>
+                    <a:lumOff val="25000"/>
+                  </a:schemeClr>
+                </a:solidFill>
+                <a:latin typeface="Elektra Text Pro"/>
+                <a:cs typeface="Arial" pitchFamily="34" charset="0"/>
+              </a:rPr>
+            </a:br>
+            <a:r>
+              <a:rPr lang="ru-RU" sz="1400" dirty="0">
+                <a:solidFill>
+                  <a:schemeClr val="tx1">
+                    <a:lumMod val="75000"/>
+                    <a:lumOff val="25000"/>
+                  </a:schemeClr>
+                </a:solidFill>
+                <a:latin typeface="Elektra Text Pro"/>
+                <a:cs typeface="Arial" pitchFamily="34" charset="0"/>
+              </a:rPr>
+              <a:t>интервального повторения</a:t>
             </a:r>
           </a:p>
         </p:txBody>
@@ -11025,7 +12707,58 @@
                 <a:latin typeface="Elektra Text Pro"/>
                 <a:cs typeface="Arial" pitchFamily="34" charset="0"/>
               </a:rPr>
-              <a:t>Веб-приложение прогнозирования стоимости легкового автомобиля</a:t>
+              <a:t>Веб-приложение для обучения по системе </a:t>
+            </a:r>
+            <a:r>
+              <a:rPr lang="ru-RU" sz="1400" dirty="0" err="1">
+                <a:solidFill>
+                  <a:schemeClr val="tx1">
+                    <a:lumMod val="75000"/>
+                    <a:lumOff val="25000"/>
+                  </a:schemeClr>
+                </a:solidFill>
+                <a:latin typeface="Elektra Text Pro"/>
+                <a:cs typeface="Arial" pitchFamily="34" charset="0"/>
+              </a:rPr>
+              <a:t>Лейтнера</a:t>
+            </a:r>
+            <a:r>
+              <a:rPr lang="ru-RU" sz="1400" dirty="0">
+                <a:solidFill>
+                  <a:schemeClr val="tx1">
+                    <a:lumMod val="75000"/>
+                    <a:lumOff val="25000"/>
+                  </a:schemeClr>
+                </a:solidFill>
+                <a:latin typeface="Elektra Text Pro"/>
+                <a:cs typeface="Arial" pitchFamily="34" charset="0"/>
+              </a:rPr>
+              <a:t> с реализацией алгоритма </a:t>
+            </a:r>
+            <a:br>
+              <a:rPr lang="ru-RU" sz="1400" dirty="0">
+                <a:solidFill>
+                  <a:schemeClr val="tx1">
+                    <a:lumMod val="75000"/>
+                    <a:lumOff val="25000"/>
+                  </a:schemeClr>
+                </a:solidFill>
+                <a:latin typeface="Elektra Text Pro"/>
+                <a:cs typeface="Arial" pitchFamily="34" charset="0"/>
+              </a:rPr>
+            </a:br>
+            <a:r>
+              <a:rPr lang="ru-RU" sz="1400" dirty="0">
+                <a:solidFill>
+                  <a:schemeClr val="tx1">
+                    <a:lumMod val="75000"/>
+                    <a:lumOff val="25000"/>
+                  </a:schemeClr>
+                </a:solidFill>
+                <a:latin typeface="Elektra Text Pro"/>
+                <a:cs typeface="Arial" pitchFamily="34" charset="0"/>
+              </a:rPr>
+              <a:t>интервального повторения</a:t>
             </a:r>
           </a:p>
         </p:txBody>
@@ -11601,7 +13334,58 @@
                 <a:latin typeface="Elektra Text Pro"/>
                 <a:cs typeface="Arial" pitchFamily="34" charset="0"/>
               </a:rPr>
-              <a:t>Веб-приложение прогнозирования стоимости легкового автомобиля</a:t>
+              <a:t>Веб-приложение для обучения по системе </a:t>
+            </a:r>
+            <a:r>
+              <a:rPr lang="ru-RU" sz="1400" dirty="0" err="1">
+                <a:solidFill>
+                  <a:schemeClr val="tx1">
+                    <a:lumMod val="75000"/>
+                    <a:lumOff val="25000"/>
+                  </a:schemeClr>
+                </a:solidFill>
+                <a:latin typeface="Elektra Text Pro"/>
+                <a:cs typeface="Arial" pitchFamily="34" charset="0"/>
+              </a:rPr>
+              <a:t>Лейтнера</a:t>
+            </a:r>
+            <a:r>
+              <a:rPr lang="ru-RU" sz="1400" dirty="0">
+                <a:solidFill>
+                  <a:schemeClr val="tx1">
+                    <a:lumMod val="75000"/>
+                    <a:lumOff val="25000"/>
+                  </a:schemeClr>
+                </a:solidFill>
+                <a:latin typeface="Elektra Text Pro"/>
+                <a:cs typeface="Arial" pitchFamily="34" charset="0"/>
+              </a:rPr>
+              <a:t> с реализацией алгоритма </a:t>
+            </a:r>
+            <a:br>
+              <a:rPr lang="ru-RU" sz="1400" dirty="0">
+                <a:solidFill>
+                  <a:schemeClr val="tx1">
+                    <a:lumMod val="75000"/>
+                    <a:lumOff val="25000"/>
+                  </a:schemeClr>
+                </a:solidFill>
+                <a:latin typeface="Elektra Text Pro"/>
+                <a:cs typeface="Arial" pitchFamily="34" charset="0"/>
+              </a:rPr>
+            </a:br>
+            <a:r>
+              <a:rPr lang="ru-RU" sz="1400" dirty="0">
+                <a:solidFill>
+                  <a:schemeClr val="tx1">
+                    <a:lumMod val="75000"/>
+                    <a:lumOff val="25000"/>
+                  </a:schemeClr>
+                </a:solidFill>
+                <a:latin typeface="Elektra Text Pro"/>
+                <a:cs typeface="Arial" pitchFamily="34" charset="0"/>
+              </a:rPr>
+              <a:t>интервального повторения</a:t>
             </a:r>
           </a:p>
         </p:txBody>
@@ -11897,7 +13681,58 @@
                 <a:latin typeface="Elektra Text Pro"/>
                 <a:cs typeface="Arial" pitchFamily="34" charset="0"/>
               </a:rPr>
-              <a:t>Веб-приложение прогнозирования стоимости легкового автомобиля</a:t>
+              <a:t>Веб-приложение для обучения по системе </a:t>
+            </a:r>
+            <a:r>
+              <a:rPr lang="ru-RU" sz="1400" dirty="0" err="1">
+                <a:solidFill>
+                  <a:schemeClr val="tx1">
+                    <a:lumMod val="75000"/>
+                    <a:lumOff val="25000"/>
+                  </a:schemeClr>
+                </a:solidFill>
+                <a:latin typeface="Elektra Text Pro"/>
+                <a:cs typeface="Arial" pitchFamily="34" charset="0"/>
+              </a:rPr>
+              <a:t>Лейтнера</a:t>
+            </a:r>
+            <a:r>
+              <a:rPr lang="ru-RU" sz="1400" dirty="0">
+                <a:solidFill>
+                  <a:schemeClr val="tx1">
+                    <a:lumMod val="75000"/>
+                    <a:lumOff val="25000"/>
+                  </a:schemeClr>
+                </a:solidFill>
+                <a:latin typeface="Elektra Text Pro"/>
+                <a:cs typeface="Arial" pitchFamily="34" charset="0"/>
+              </a:rPr>
+              <a:t> с реализацией алгоритма </a:t>
+            </a:r>
+            <a:br>
+              <a:rPr lang="ru-RU" sz="1400" dirty="0">
+                <a:solidFill>
+                  <a:schemeClr val="tx1">
+                    <a:lumMod val="75000"/>
+                    <a:lumOff val="25000"/>
+                  </a:schemeClr>
+                </a:solidFill>
+                <a:latin typeface="Elektra Text Pro"/>
+                <a:cs typeface="Arial" pitchFamily="34" charset="0"/>
+              </a:rPr>
+            </a:br>
+            <a:r>
+              <a:rPr lang="ru-RU" sz="1400" dirty="0">
+                <a:solidFill>
+                  <a:schemeClr val="tx1">
+                    <a:lumMod val="75000"/>
+                    <a:lumOff val="25000"/>
+                  </a:schemeClr>
+                </a:solidFill>
+                <a:latin typeface="Elektra Text Pro"/>
+                <a:cs typeface="Arial" pitchFamily="34" charset="0"/>
+              </a:rPr>
+              <a:t>интервального повторения</a:t>
             </a:r>
           </a:p>
         </p:txBody>
@@ -12348,7 +14183,58 @@
                 <a:latin typeface="Elektra Text Pro"/>
                 <a:cs typeface="Arial" pitchFamily="34" charset="0"/>
               </a:rPr>
-              <a:t>Веб-приложение прогнозирования стоимости легкового автомобиля</a:t>
+              <a:t>Веб-приложение для обучения по системе </a:t>
+            </a:r>
+            <a:r>
+              <a:rPr lang="ru-RU" sz="1400" dirty="0" err="1">
+                <a:solidFill>
+                  <a:schemeClr val="tx1">
+                    <a:lumMod val="75000"/>
+                    <a:lumOff val="25000"/>
+                  </a:schemeClr>
+                </a:solidFill>
+                <a:latin typeface="Elektra Text Pro"/>
+                <a:cs typeface="Arial" pitchFamily="34" charset="0"/>
+              </a:rPr>
+              <a:t>Лейтнера</a:t>
+            </a:r>
+            <a:r>
+              <a:rPr lang="ru-RU" sz="1400" dirty="0">
+                <a:solidFill>
+                  <a:schemeClr val="tx1">
+                    <a:lumMod val="75000"/>
+                    <a:lumOff val="25000"/>
+                  </a:schemeClr>
+                </a:solidFill>
+                <a:latin typeface="Elektra Text Pro"/>
+                <a:cs typeface="Arial" pitchFamily="34" charset="0"/>
+              </a:rPr>
+              <a:t> с реализацией алгоритма </a:t>
+            </a:r>
+            <a:br>
+              <a:rPr lang="ru-RU" sz="1400" dirty="0">
+                <a:solidFill>
+                  <a:schemeClr val="tx1">
+                    <a:lumMod val="75000"/>
+                    <a:lumOff val="25000"/>
+                  </a:schemeClr>
+                </a:solidFill>
+                <a:latin typeface="Elektra Text Pro"/>
+                <a:cs typeface="Arial" pitchFamily="34" charset="0"/>
+              </a:rPr>
+            </a:br>
+            <a:r>
+              <a:rPr lang="ru-RU" sz="1400" dirty="0">
+                <a:solidFill>
+                  <a:schemeClr val="tx1">
+                    <a:lumMod val="75000"/>
+                    <a:lumOff val="25000"/>
+                  </a:schemeClr>
+                </a:solidFill>
+                <a:latin typeface="Elektra Text Pro"/>
+                <a:cs typeface="Arial" pitchFamily="34" charset="0"/>
+              </a:rPr>
+              <a:t>интервального повторения</a:t>
             </a:r>
           </a:p>
         </p:txBody>

--- a/Презентация_Алёнушка_6401.pptx
+++ b/Презентация_Алёнушка_6401.pptx
@@ -6443,7 +6443,7 @@
             </a:fld>
             <a:r>
               <a:rPr lang="ru-RU" dirty="0"/>
-              <a:t>/19</a:t>
+              <a:t>/21</a:t>
             </a:r>
           </a:p>
         </p:txBody>
@@ -6781,7 +6781,7 @@
             </a:fld>
             <a:r>
               <a:rPr lang="ru-RU" dirty="0"/>
-              <a:t>/19</a:t>
+              <a:t>/21</a:t>
             </a:r>
           </a:p>
         </p:txBody>
@@ -7271,7 +7271,7 @@
             </a:r>
             <a:r>
               <a:rPr lang="ru-RU" sz="1600" dirty="0"/>
-              <a:t> – интервал для следующего повторения карточки</a:t>
+              <a:t> – интервал для текущего повторения карточки</a:t>
             </a:r>
           </a:p>
         </p:txBody>
@@ -7384,7 +7384,7 @@
             </a:fld>
             <a:r>
               <a:rPr lang="ru-RU" dirty="0"/>
-              <a:t>/19</a:t>
+              <a:t>/21</a:t>
             </a:r>
           </a:p>
         </p:txBody>
@@ -7820,7 +7820,7 @@
             </a:fld>
             <a:r>
               <a:rPr lang="ru-RU" dirty="0"/>
-              <a:t>/19</a:t>
+              <a:t>/21</a:t>
             </a:r>
           </a:p>
         </p:txBody>
@@ -8147,7 +8147,7 @@
             </a:fld>
             <a:r>
               <a:rPr lang="ru-RU" dirty="0"/>
-              <a:t>/19</a:t>
+              <a:t>/21</a:t>
             </a:r>
           </a:p>
         </p:txBody>
@@ -8174,7 +8174,7 @@
         </p:blipFill>
         <p:spPr>
           <a:xfrm>
-            <a:off x="2309139" y="1095481"/>
+            <a:off x="2179948" y="1108478"/>
             <a:ext cx="4783141" cy="4925808"/>
           </a:xfrm>
           <a:prstGeom prst="rect">
@@ -8474,7 +8474,7 @@
             </a:fld>
             <a:r>
               <a:rPr lang="ru-RU" dirty="0"/>
-              <a:t>/19</a:t>
+              <a:t>/21</a:t>
             </a:r>
           </a:p>
         </p:txBody>
@@ -8753,7 +8753,7 @@
             </a:fld>
             <a:r>
               <a:rPr lang="ru-RU" dirty="0"/>
-              <a:t>/19</a:t>
+              <a:t>/21</a:t>
             </a:r>
           </a:p>
         </p:txBody>
@@ -9080,7 +9080,7 @@
             </a:fld>
             <a:r>
               <a:rPr lang="ru-RU" dirty="0"/>
-              <a:t>/19</a:t>
+              <a:t>/21</a:t>
             </a:r>
           </a:p>
         </p:txBody>
@@ -9437,7 +9437,7 @@
             </a:fld>
             <a:r>
               <a:rPr lang="ru-RU" dirty="0"/>
-              <a:t>/19</a:t>
+              <a:t>/21</a:t>
             </a:r>
           </a:p>
         </p:txBody>
@@ -9800,7 +9800,7 @@
             </a:fld>
             <a:r>
               <a:rPr lang="ru-RU" dirty="0"/>
-              <a:t>/19</a:t>
+              <a:t>/21</a:t>
             </a:r>
           </a:p>
         </p:txBody>
@@ -10273,7 +10273,7 @@
             </a:fld>
             <a:r>
               <a:rPr lang="ru-RU" dirty="0"/>
-              <a:t>/19</a:t>
+              <a:t>/21</a:t>
             </a:r>
           </a:p>
         </p:txBody>
@@ -11746,7 +11746,7 @@
             <a:pPr algn="r"/>
             <a:r>
               <a:rPr lang="ru-RU" dirty="0"/>
-              <a:t>3/19</a:t>
+              <a:t>3/21</a:t>
             </a:r>
           </a:p>
         </p:txBody>
@@ -12179,7 +12179,7 @@
             </a:fld>
             <a:r>
               <a:rPr lang="ru-RU" dirty="0"/>
-              <a:t>/19</a:t>
+              <a:t>/21</a:t>
             </a:r>
           </a:p>
         </p:txBody>
@@ -12581,7 +12581,7 @@
             </a:fld>
             <a:r>
               <a:rPr lang="ru-RU" dirty="0"/>
-              <a:t>/19</a:t>
+              <a:t>/21</a:t>
             </a:r>
           </a:p>
         </p:txBody>
@@ -12926,7 +12926,7 @@
             </a:fld>
             <a:r>
               <a:rPr lang="ru-RU" dirty="0"/>
-              <a:t>/19</a:t>
+              <a:t>/21</a:t>
             </a:r>
           </a:p>
         </p:txBody>
@@ -13274,7 +13274,7 @@
             </a:fld>
             <a:r>
               <a:rPr lang="ru-RU" dirty="0"/>
-              <a:t>/19</a:t>
+              <a:t>/21</a:t>
             </a:r>
           </a:p>
         </p:txBody>
@@ -13621,7 +13621,7 @@
             </a:fld>
             <a:r>
               <a:rPr lang="ru-RU" dirty="0"/>
-              <a:t>/19</a:t>
+              <a:t>/21</a:t>
             </a:r>
           </a:p>
         </p:txBody>
@@ -14123,7 +14123,7 @@
             </a:fld>
             <a:r>
               <a:rPr lang="ru-RU" dirty="0"/>
-              <a:t>/19</a:t>
+              <a:t>/21</a:t>
             </a:r>
           </a:p>
         </p:txBody>
